--- a/project-2/일자별_코로나확진자수 및 가계대출/보고서_외부 데이터 적재 미니 프로젝트_이해니.pptx
+++ b/project-2/일자별_코로나확진자수 및 가계대출/보고서_외부 데이터 적재 미니 프로젝트_이해니.pptx
@@ -6,14 +6,19 @@
   </p:sldMasterIdLst>
   <p:sldIdLst>
     <p:sldId id="256" r:id="rId2"/>
-    <p:sldId id="267" r:id="rId3"/>
-    <p:sldId id="269" r:id="rId4"/>
-    <p:sldId id="268" r:id="rId5"/>
-    <p:sldId id="264" r:id="rId6"/>
-    <p:sldId id="265" r:id="rId7"/>
-    <p:sldId id="266" r:id="rId8"/>
-    <p:sldId id="270" r:id="rId9"/>
-    <p:sldId id="271" r:id="rId10"/>
+    <p:sldId id="277" r:id="rId3"/>
+    <p:sldId id="267" r:id="rId4"/>
+    <p:sldId id="273" r:id="rId5"/>
+    <p:sldId id="269" r:id="rId6"/>
+    <p:sldId id="268" r:id="rId7"/>
+    <p:sldId id="274" r:id="rId8"/>
+    <p:sldId id="264" r:id="rId9"/>
+    <p:sldId id="265" r:id="rId10"/>
+    <p:sldId id="266" r:id="rId11"/>
+    <p:sldId id="275" r:id="rId12"/>
+    <p:sldId id="270" r:id="rId13"/>
+    <p:sldId id="276" r:id="rId14"/>
+    <p:sldId id="271" r:id="rId15"/>
   </p:sldIdLst>
   <p:sldSz cx="12192000" cy="6858000"/>
   <p:notesSz cx="6858000" cy="9144000"/>
@@ -112,6 +117,11 @@
       </a:defRPr>
     </a:lvl9pPr>
   </p:defaultTextStyle>
+  <p:extLst>
+    <p:ext uri="{EFAFB233-063F-42B5-8137-9DF3F51BA10A}">
+      <p15:sldGuideLst xmlns:p15="http://schemas.microsoft.com/office/powerpoint/2012/main"/>
+    </p:ext>
+  </p:extLst>
 </p:presentation>
 </file>
 
@@ -1432,7 +1442,7 @@
           <a:p>
             <a:fld id="{22878E21-3F9A-49B7-BC9C-44538B39126B}" type="datetimeFigureOut">
               <a:rPr lang="ko-KR" altLang="en-US" smtClean="0"/>
-              <a:t>2021-05-10</a:t>
+              <a:t>2021-05-12</a:t>
             </a:fld>
             <a:endParaRPr lang="ko-KR" altLang="en-US"/>
           </a:p>
@@ -1630,7 +1640,7 @@
           <a:p>
             <a:fld id="{22878E21-3F9A-49B7-BC9C-44538B39126B}" type="datetimeFigureOut">
               <a:rPr lang="ko-KR" altLang="en-US" smtClean="0"/>
-              <a:t>2021-05-10</a:t>
+              <a:t>2021-05-12</a:t>
             </a:fld>
             <a:endParaRPr lang="ko-KR" altLang="en-US"/>
           </a:p>
@@ -1838,7 +1848,7 @@
           <a:p>
             <a:fld id="{22878E21-3F9A-49B7-BC9C-44538B39126B}" type="datetimeFigureOut">
               <a:rPr lang="ko-KR" altLang="en-US" smtClean="0"/>
-              <a:t>2021-05-10</a:t>
+              <a:t>2021-05-12</a:t>
             </a:fld>
             <a:endParaRPr lang="ko-KR" altLang="en-US"/>
           </a:p>
@@ -2036,7 +2046,7 @@
           <a:p>
             <a:fld id="{22878E21-3F9A-49B7-BC9C-44538B39126B}" type="datetimeFigureOut">
               <a:rPr lang="ko-KR" altLang="en-US" smtClean="0"/>
-              <a:t>2021-05-10</a:t>
+              <a:t>2021-05-12</a:t>
             </a:fld>
             <a:endParaRPr lang="ko-KR" altLang="en-US"/>
           </a:p>
@@ -2311,7 +2321,7 @@
           <a:p>
             <a:fld id="{22878E21-3F9A-49B7-BC9C-44538B39126B}" type="datetimeFigureOut">
               <a:rPr lang="ko-KR" altLang="en-US" smtClean="0"/>
-              <a:t>2021-05-10</a:t>
+              <a:t>2021-05-12</a:t>
             </a:fld>
             <a:endParaRPr lang="ko-KR" altLang="en-US"/>
           </a:p>
@@ -2576,7 +2586,7 @@
           <a:p>
             <a:fld id="{22878E21-3F9A-49B7-BC9C-44538B39126B}" type="datetimeFigureOut">
               <a:rPr lang="ko-KR" altLang="en-US" smtClean="0"/>
-              <a:t>2021-05-10</a:t>
+              <a:t>2021-05-12</a:t>
             </a:fld>
             <a:endParaRPr lang="ko-KR" altLang="en-US"/>
           </a:p>
@@ -2988,7 +2998,7 @@
           <a:p>
             <a:fld id="{22878E21-3F9A-49B7-BC9C-44538B39126B}" type="datetimeFigureOut">
               <a:rPr lang="ko-KR" altLang="en-US" smtClean="0"/>
-              <a:t>2021-05-10</a:t>
+              <a:t>2021-05-12</a:t>
             </a:fld>
             <a:endParaRPr lang="ko-KR" altLang="en-US"/>
           </a:p>
@@ -3129,7 +3139,7 @@
           <a:p>
             <a:fld id="{22878E21-3F9A-49B7-BC9C-44538B39126B}" type="datetimeFigureOut">
               <a:rPr lang="ko-KR" altLang="en-US" smtClean="0"/>
-              <a:t>2021-05-10</a:t>
+              <a:t>2021-05-12</a:t>
             </a:fld>
             <a:endParaRPr lang="ko-KR" altLang="en-US"/>
           </a:p>
@@ -3242,7 +3252,7 @@
           <a:p>
             <a:fld id="{22878E21-3F9A-49B7-BC9C-44538B39126B}" type="datetimeFigureOut">
               <a:rPr lang="ko-KR" altLang="en-US" smtClean="0"/>
-              <a:t>2021-05-10</a:t>
+              <a:t>2021-05-12</a:t>
             </a:fld>
             <a:endParaRPr lang="ko-KR" altLang="en-US"/>
           </a:p>
@@ -3553,7 +3563,7 @@
           <a:p>
             <a:fld id="{22878E21-3F9A-49B7-BC9C-44538B39126B}" type="datetimeFigureOut">
               <a:rPr lang="ko-KR" altLang="en-US" smtClean="0"/>
-              <a:t>2021-05-10</a:t>
+              <a:t>2021-05-12</a:t>
             </a:fld>
             <a:endParaRPr lang="ko-KR" altLang="en-US"/>
           </a:p>
@@ -3841,7 +3851,7 @@
           <a:p>
             <a:fld id="{22878E21-3F9A-49B7-BC9C-44538B39126B}" type="datetimeFigureOut">
               <a:rPr lang="ko-KR" altLang="en-US" smtClean="0"/>
-              <a:t>2021-05-10</a:t>
+              <a:t>2021-05-12</a:t>
             </a:fld>
             <a:endParaRPr lang="ko-KR" altLang="en-US"/>
           </a:p>
@@ -4082,7 +4092,7 @@
           <a:p>
             <a:fld id="{22878E21-3F9A-49B7-BC9C-44538B39126B}" type="datetimeFigureOut">
               <a:rPr lang="ko-KR" altLang="en-US" smtClean="0"/>
-              <a:t>2021-05-10</a:t>
+              <a:t>2021-05-12</a:t>
             </a:fld>
             <a:endParaRPr lang="ko-KR" altLang="en-US"/>
           </a:p>
@@ -4932,24 +4942,14 @@
           </a:lstStyle>
           <a:p>
             <a:r>
-              <a:rPr lang="ko-KR" altLang="en-US" sz="2000" dirty="0" err="1">
+              <a:rPr lang="ko-KR" altLang="en-US" sz="2000" dirty="0">
                 <a:solidFill>
                   <a:schemeClr val="bg1">
                     <a:lumMod val="65000"/>
                   </a:schemeClr>
                 </a:solidFill>
               </a:rPr>
-              <a:t>한국폴리텍대학</a:t>
-            </a:r>
-            <a:r>
-              <a:rPr lang="ko-KR" altLang="en-US" sz="2000" dirty="0">
-                <a:solidFill>
-                  <a:schemeClr val="bg1">
-                    <a:lumMod val="65000"/>
-                  </a:schemeClr>
-                </a:solidFill>
-              </a:rPr>
-              <a:t> 광명융합기술교육원 데이터분석과 </a:t>
+              <a:t>한국폴리텍대학 광명융합기술교육원 데이터분석과 </a:t>
             </a:r>
             <a:endParaRPr lang="en-US" altLang="ko-KR" sz="2000" dirty="0">
               <a:solidFill>
@@ -5016,7 +5016,7 @@
 </p:sld>
 </file>
 
-<file path=ppt/slides/slide2.xml><?xml version="1.0" encoding="utf-8"?>
+<file path=ppt/slides/slide10.xml><?xml version="1.0" encoding="utf-8"?>
 <p:sld xmlns:a="http://schemas.openxmlformats.org/drawingml/2006/main" xmlns:r="http://schemas.openxmlformats.org/officeDocument/2006/relationships" xmlns:p="http://schemas.openxmlformats.org/presentationml/2006/main">
   <p:cSld>
     <p:bg>
@@ -5071,17 +5071,16 @@
           <a:p>
             <a:pPr latinLnBrk="0"/>
             <a:r>
-              <a:rPr lang="ko-KR" altLang="en-US" dirty="0"/>
-              <a:t>주제</a:t>
-            </a:r>
-            <a:endParaRPr lang="en-US" altLang="ko-KR" kern="1200" dirty="0">
-              <a:solidFill>
-                <a:schemeClr val="tx1"/>
-              </a:solidFill>
-              <a:latin typeface="+mj-lt"/>
-              <a:ea typeface="+mj-ea"/>
-              <a:cs typeface="+mj-cs"/>
-            </a:endParaRPr>
+              <a:rPr lang="en-US" altLang="ko-KR" kern="1200" dirty="0">
+                <a:solidFill>
+                  <a:schemeClr val="tx1"/>
+                </a:solidFill>
+                <a:latin typeface="+mj-lt"/>
+                <a:ea typeface="+mj-ea"/>
+                <a:cs typeface="+mj-cs"/>
+              </a:rPr>
+              <a:t>SQL</a:t>
+            </a:r>
           </a:p>
         </p:txBody>
       </p:sp>
@@ -5222,12 +5221,43 @@
           </a:p>
         </p:txBody>
       </p:sp>
+      <p:pic>
+        <p:nvPicPr>
+          <p:cNvPr id="6" name="그림 5" descr="테이블이(가) 표시된 사진&#10;&#10;자동 생성된 설명">
+            <a:extLst>
+              <a:ext uri="{FF2B5EF4-FFF2-40B4-BE49-F238E27FC236}">
+                <a16:creationId xmlns:a16="http://schemas.microsoft.com/office/drawing/2014/main" id="{6363E191-D683-41FF-B056-6C1E178AD797}"/>
+              </a:ext>
+            </a:extLst>
+          </p:cNvPr>
+          <p:cNvPicPr>
+            <a:picLocks noChangeAspect="1"/>
+          </p:cNvPicPr>
+          <p:nvPr/>
+        </p:nvPicPr>
+        <p:blipFill>
+          <a:blip r:embed="rId2"/>
+          <a:stretch>
+            <a:fillRect/>
+          </a:stretch>
+        </p:blipFill>
+        <p:spPr>
+          <a:xfrm>
+            <a:off x="648929" y="2101806"/>
+            <a:ext cx="3761412" cy="3305929"/>
+          </a:xfrm>
+          <a:prstGeom prst="rect">
+            <a:avLst/>
+          </a:prstGeom>
+          <a:effectLst/>
+        </p:spPr>
+      </p:pic>
       <p:sp>
         <p:nvSpPr>
-          <p:cNvPr id="8" name="내용 개체 틀 2">
+          <p:cNvPr id="7" name="내용 개체 틀 2">
             <a:extLst>
               <a:ext uri="{FF2B5EF4-FFF2-40B4-BE49-F238E27FC236}">
-                <a16:creationId xmlns:a16="http://schemas.microsoft.com/office/drawing/2014/main" id="{AB2EC665-3BD9-4B6B-8824-4D981295749D}"/>
+                <a16:creationId xmlns:a16="http://schemas.microsoft.com/office/drawing/2014/main" id="{9ED34783-7361-44E1-9112-5FFB57C948A1}"/>
               </a:ext>
             </a:extLst>
           </p:cNvPr>
@@ -5418,30 +5448,23 @@
               <a:buNone/>
             </a:pPr>
             <a:r>
-              <a:rPr lang="ko-KR" altLang="en-US" sz="3200" b="1" dirty="0">
-                <a:solidFill>
-                  <a:srgbClr val="000000"/>
-                </a:solidFill>
-                <a:latin typeface="Noto Sans KR"/>
-              </a:rPr>
-              <a:t>코로나 심화에 따른 가계대출</a:t>
-            </a:r>
-            <a:endParaRPr lang="en-US" altLang="ko-KR" sz="3200" b="1" i="0" dirty="0">
-              <a:solidFill>
-                <a:srgbClr val="000000"/>
-              </a:solidFill>
-              <a:effectLst/>
-              <a:latin typeface="Noto Sans KR"/>
-            </a:endParaRPr>
+              <a:rPr lang="en-US" altLang="ko-KR" sz="3200" b="1" dirty="0"/>
+              <a:t>3. JOIN</a:t>
+            </a:r>
+            <a:r>
+              <a:rPr lang="ko-KR" altLang="en-US" sz="3200" b="1" dirty="0"/>
+              <a:t>으로 데이터 결합</a:t>
+            </a:r>
+            <a:endParaRPr lang="en-US" altLang="ko-KR" sz="3200" b="1" dirty="0"/>
           </a:p>
         </p:txBody>
       </p:sp>
       <p:sp>
         <p:nvSpPr>
-          <p:cNvPr id="9" name="내용 개체 틀 2">
+          <p:cNvPr id="8" name="내용 개체 틀 2">
             <a:extLst>
               <a:ext uri="{FF2B5EF4-FFF2-40B4-BE49-F238E27FC236}">
-                <a16:creationId xmlns:a16="http://schemas.microsoft.com/office/drawing/2014/main" id="{AC8CAA01-2FD7-4EBA-A40F-E85C738CDBF5}"/>
+                <a16:creationId xmlns:a16="http://schemas.microsoft.com/office/drawing/2014/main" id="{537152BD-94C6-4430-B944-13B7B02B064A}"/>
               </a:ext>
             </a:extLst>
           </p:cNvPr>
@@ -5628,87 +5651,175 @@
             </a:lvl9pPr>
           </a:lstStyle>
           <a:p>
+            <a:pPr marL="0" indent="0" latinLnBrk="0">
+              <a:buNone/>
+            </a:pPr>
+            <a:r>
+              <a:rPr lang="en-US" altLang="ko-KR" sz="1600" dirty="0"/>
+              <a:t>SELECT C.REGDATE, C.COUNT, H.TOTAL_LOAN</a:t>
+            </a:r>
+          </a:p>
+          <a:p>
+            <a:pPr marL="0" indent="0" latinLnBrk="0">
+              <a:buNone/>
+            </a:pPr>
+            <a:r>
+              <a:rPr lang="en-US" altLang="ko-KR" sz="1600" dirty="0"/>
+              <a:t>FROM (</a:t>
+            </a:r>
+          </a:p>
+          <a:p>
+            <a:pPr marL="457200" lvl="1" indent="0" latinLnBrk="0">
+              <a:buNone/>
+            </a:pPr>
+            <a:r>
+              <a:rPr lang="en-US" altLang="ko-KR" sz="1600" dirty="0"/>
+              <a:t>SELECT COUNT(ID) COUNT, SUBSTR(REGDATE,0,5) AS REGDATE FROM CORONA GROUP BY SUBSTR(REGDATE,0,5) ORDER BY REGDATE</a:t>
+            </a:r>
+          </a:p>
+          <a:p>
+            <a:pPr marL="0" indent="0" latinLnBrk="0">
+              <a:buNone/>
+            </a:pPr>
+            <a:r>
+              <a:rPr lang="en-US" altLang="ko-KR" sz="1600" dirty="0"/>
+              <a:t>) C, (</a:t>
+            </a:r>
+          </a:p>
+          <a:p>
+            <a:pPr marL="457200" lvl="1" indent="0" latinLnBrk="0">
+              <a:buNone/>
+            </a:pPr>
+            <a:r>
+              <a:rPr lang="en-US" altLang="ko-KR" sz="1600" dirty="0"/>
+              <a:t>SELECT REPLACE(SUBSTR(</a:t>
+            </a:r>
             <a:r>
               <a:rPr lang="ko-KR" altLang="en-US" sz="1600" dirty="0"/>
-              <a:t>코로나 발생 동향과 가계 대출 동향 데이터를 바탕으로 둘 사이의 연관관계를 분석한다</a:t>
+              <a:t>기간</a:t>
             </a:r>
             <a:r>
               <a:rPr lang="en-US" altLang="ko-KR" sz="1600" dirty="0"/>
-              <a:t>.</a:t>
+              <a:t>,3),'.','/') AS REGDATE, (</a:t>
             </a:r>
             <a:r>
               <a:rPr lang="ko-KR" altLang="en-US" sz="1600" dirty="0"/>
-              <a:t> </a:t>
-            </a:r>
-            <a:endParaRPr lang="en-US" altLang="ko-KR" sz="1600" dirty="0"/>
-          </a:p>
-          <a:p>
-            <a:endParaRPr lang="en-US" altLang="ko-KR" sz="1600" dirty="0"/>
-          </a:p>
-          <a:p>
+              <a:t>예금취급기관 </a:t>
+            </a:r>
+            <a:r>
+              <a:rPr lang="en-US" altLang="ko-KR" sz="1600" dirty="0"/>
+              <a:t>+ </a:t>
+            </a:r>
             <a:r>
               <a:rPr lang="ko-KR" altLang="en-US" sz="1600" dirty="0"/>
-              <a:t>분석된 자료를 가계대출 부서의 상품 마케팅 기초 자료로 활용한다</a:t>
+              <a:t>예금은행 </a:t>
             </a:r>
             <a:r>
               <a:rPr lang="en-US" altLang="ko-KR" sz="1600" dirty="0"/>
-              <a:t>. 16</a:t>
-            </a:r>
-          </a:p>
-          <a:p>
-            <a:endParaRPr lang="ko-KR" altLang="en-US" sz="1600" dirty="0"/>
+              <a:t>+ </a:t>
+            </a:r>
+            <a:r>
+              <a:rPr lang="ko-KR" altLang="en-US" sz="1600" dirty="0"/>
+              <a:t>주택담보대출 </a:t>
+            </a:r>
+            <a:r>
+              <a:rPr lang="en-US" altLang="ko-KR" sz="1600" dirty="0"/>
+              <a:t>+ </a:t>
+            </a:r>
+            <a:r>
+              <a:rPr lang="ko-KR" altLang="en-US" sz="1600" dirty="0"/>
+              <a:t>비은행예금취급기관</a:t>
+            </a:r>
+            <a:r>
+              <a:rPr lang="en-US" altLang="ko-KR" sz="1600" dirty="0"/>
+              <a:t> + </a:t>
+            </a:r>
+            <a:r>
+              <a:rPr lang="ko-KR" altLang="en-US" sz="1600" dirty="0"/>
+              <a:t>주택담보대출</a:t>
+            </a:r>
+            <a:r>
+              <a:rPr lang="en-US" altLang="ko-KR" sz="1600" dirty="0"/>
+              <a:t>2 + </a:t>
+            </a:r>
+            <a:r>
+              <a:rPr lang="ko-KR" altLang="en-US" sz="1600" dirty="0"/>
+              <a:t>상호저축은행 </a:t>
+            </a:r>
+            <a:r>
+              <a:rPr lang="en-US" altLang="ko-KR" sz="1600" dirty="0"/>
+              <a:t>+ </a:t>
+            </a:r>
+            <a:r>
+              <a:rPr lang="ko-KR" altLang="en-US" sz="1600" dirty="0"/>
+              <a:t>신용협동조합 </a:t>
+            </a:r>
+            <a:r>
+              <a:rPr lang="en-US" altLang="ko-KR" sz="1600" dirty="0"/>
+              <a:t>+ </a:t>
+            </a:r>
+            <a:r>
+              <a:rPr lang="ko-KR" altLang="en-US" sz="1600" dirty="0"/>
+              <a:t>상호금융 </a:t>
+            </a:r>
+            <a:r>
+              <a:rPr lang="en-US" altLang="ko-KR" sz="1600" dirty="0"/>
+              <a:t>+ </a:t>
+            </a:r>
+            <a:r>
+              <a:rPr lang="ko-KR" altLang="en-US" sz="1600" dirty="0"/>
+              <a:t>새마을금고 </a:t>
+            </a:r>
+            <a:r>
+              <a:rPr lang="en-US" altLang="ko-KR" sz="1600" dirty="0"/>
+              <a:t>+ </a:t>
+            </a:r>
+            <a:r>
+              <a:rPr lang="ko-KR" altLang="en-US" sz="1600" dirty="0"/>
+              <a:t>기타</a:t>
+            </a:r>
+            <a:r>
+              <a:rPr lang="en-US" altLang="ko-KR" sz="1600" dirty="0"/>
+              <a:t>) AS TOTAL_LOAN FROM HOUSE_LOAN ORDER BY </a:t>
+            </a:r>
+            <a:r>
+              <a:rPr lang="ko-KR" altLang="en-US" sz="1600" dirty="0"/>
+              <a:t>기간</a:t>
+            </a:r>
+          </a:p>
+          <a:p>
+            <a:pPr marL="0" indent="0" latinLnBrk="0">
+              <a:buNone/>
+            </a:pPr>
+            <a:r>
+              <a:rPr lang="en-US" altLang="ko-KR" sz="1600" dirty="0"/>
+              <a:t>) H</a:t>
+            </a:r>
+          </a:p>
+          <a:p>
+            <a:pPr marL="0" indent="0" latinLnBrk="0">
+              <a:buNone/>
+            </a:pPr>
+            <a:r>
+              <a:rPr lang="en-US" altLang="ko-KR" sz="1600" dirty="0"/>
+              <a:t>WHERE C.REGDATE = H.REGDATE;</a:t>
+            </a:r>
+          </a:p>
+          <a:p>
+            <a:endParaRPr lang="en-US" altLang="ko-KR" sz="2400" i="0" dirty="0">
+              <a:solidFill>
+                <a:srgbClr val="000000"/>
+              </a:solidFill>
+              <a:effectLst/>
+              <a:latin typeface="Noto Sans KR"/>
+            </a:endParaRPr>
           </a:p>
         </p:txBody>
       </p:sp>
-      <p:pic>
-        <p:nvPicPr>
-          <p:cNvPr id="2050" name="Picture 2" descr="신종 코로나바이러스(코로나19)' 불안감이 바꿔 놓은 우리들의 일상생활 - 산업종합저널">
-            <a:extLst>
-              <a:ext uri="{FF2B5EF4-FFF2-40B4-BE49-F238E27FC236}">
-                <a16:creationId xmlns:a16="http://schemas.microsoft.com/office/drawing/2014/main" id="{A3B239CA-2ECE-476D-8EA4-1EDE6ACEF375}"/>
-              </a:ext>
-            </a:extLst>
-          </p:cNvPr>
-          <p:cNvPicPr>
-            <a:picLocks noChangeAspect="1" noChangeArrowheads="1"/>
-          </p:cNvPicPr>
-          <p:nvPr/>
-        </p:nvPicPr>
-        <p:blipFill rotWithShape="1">
-          <a:blip r:embed="rId2">
-            <a:extLst>
-              <a:ext uri="{28A0092B-C50C-407E-A947-70E740481C1C}">
-                <a14:useLocalDpi xmlns:a14="http://schemas.microsoft.com/office/drawing/2010/main" val="0"/>
-              </a:ext>
-            </a:extLst>
-          </a:blip>
-          <a:srcRect r="31673"/>
-          <a:stretch/>
-        </p:blipFill>
-        <p:spPr bwMode="auto">
-          <a:xfrm>
-            <a:off x="579887" y="2024042"/>
-            <a:ext cx="3643577" cy="3562020"/>
-          </a:xfrm>
-          <a:prstGeom prst="rect">
-            <a:avLst/>
-          </a:prstGeom>
-          <a:noFill/>
-          <a:extLst>
-            <a:ext uri="{909E8E84-426E-40DD-AFC4-6F175D3DCCD1}">
-              <a14:hiddenFill xmlns:a14="http://schemas.microsoft.com/office/drawing/2010/main">
-                <a:solidFill>
-                  <a:srgbClr val="FFFFFF"/>
-                </a:solidFill>
-              </a14:hiddenFill>
-            </a:ext>
-          </a:extLst>
-        </p:spPr>
-      </p:pic>
     </p:spTree>
     <p:extLst>
       <p:ext uri="{BB962C8B-B14F-4D97-AF65-F5344CB8AC3E}">
-        <p14:creationId xmlns:p14="http://schemas.microsoft.com/office/powerpoint/2010/main" val="1924935391"/>
+        <p14:creationId xmlns:p14="http://schemas.microsoft.com/office/powerpoint/2010/main" val="3109232580"/>
       </p:ext>
     </p:extLst>
   </p:cSld>
@@ -5718,7 +5829,65 @@
 </p:sld>
 </file>
 
-<file path=ppt/slides/slide3.xml><?xml version="1.0" encoding="utf-8"?>
+<file path=ppt/slides/slide11.xml><?xml version="1.0" encoding="utf-8"?>
+<p:sld xmlns:a="http://schemas.openxmlformats.org/drawingml/2006/main" xmlns:r="http://schemas.openxmlformats.org/officeDocument/2006/relationships" xmlns:p="http://schemas.openxmlformats.org/presentationml/2006/main">
+  <p:cSld>
+    <p:spTree>
+      <p:nvGrpSpPr>
+        <p:cNvPr id="1" name=""/>
+        <p:cNvGrpSpPr/>
+        <p:nvPr/>
+      </p:nvGrpSpPr>
+      <p:grpSpPr>
+        <a:xfrm>
+          <a:off x="0" y="0"/>
+          <a:ext cx="0" cy="0"/>
+          <a:chOff x="0" y="0"/>
+          <a:chExt cx="0" cy="0"/>
+        </a:xfrm>
+      </p:grpSpPr>
+      <p:sp>
+        <p:nvSpPr>
+          <p:cNvPr id="2" name="제목 1">
+            <a:extLst>
+              <a:ext uri="{FF2B5EF4-FFF2-40B4-BE49-F238E27FC236}">
+                <a16:creationId xmlns:a16="http://schemas.microsoft.com/office/drawing/2014/main" id="{8481780F-869A-404B-89FC-C605C4282772}"/>
+              </a:ext>
+            </a:extLst>
+          </p:cNvPr>
+          <p:cNvSpPr>
+            <a:spLocks noGrp="1"/>
+          </p:cNvSpPr>
+          <p:nvPr>
+            <p:ph type="title"/>
+          </p:nvPr>
+        </p:nvSpPr>
+        <p:spPr/>
+        <p:txBody>
+          <a:bodyPr/>
+          <a:lstStyle/>
+          <a:p>
+            <a:r>
+              <a:rPr lang="ko-KR" altLang="en-US" b="1" dirty="0"/>
+              <a:t>데이터 시각화</a:t>
+            </a:r>
+          </a:p>
+        </p:txBody>
+      </p:sp>
+    </p:spTree>
+    <p:extLst>
+      <p:ext uri="{BB962C8B-B14F-4D97-AF65-F5344CB8AC3E}">
+        <p14:creationId xmlns:p14="http://schemas.microsoft.com/office/powerpoint/2010/main" val="1615889627"/>
+      </p:ext>
+    </p:extLst>
+  </p:cSld>
+  <p:clrMapOvr>
+    <a:masterClrMapping/>
+  </p:clrMapOvr>
+</p:sld>
+</file>
+
+<file path=ppt/slides/slide12.xml><?xml version="1.0" encoding="utf-8"?>
 <p:sld xmlns:a="http://schemas.openxmlformats.org/drawingml/2006/main" xmlns:r="http://schemas.openxmlformats.org/officeDocument/2006/relationships" xmlns:p="http://schemas.openxmlformats.org/presentationml/2006/main">
   <p:cSld>
     <p:bg>
@@ -5762,7 +5931,7 @@
         <p:spPr>
           <a:xfrm>
             <a:off x="648929" y="629266"/>
-            <a:ext cx="3505495" cy="1622321"/>
+            <a:ext cx="3761412" cy="1622321"/>
           </a:xfrm>
         </p:spPr>
         <p:txBody>
@@ -5781,7 +5950,7 @@
                 <a:ea typeface="+mj-ea"/>
                 <a:cs typeface="+mj-cs"/>
               </a:rPr>
-              <a:t>데이터</a:t>
+              <a:t>데이터시각화</a:t>
             </a:r>
             <a:endParaRPr lang="en-US" altLang="ko-KR" kern="1200" dirty="0">
               <a:solidFill>
@@ -5933,10 +6102,10 @@
       </p:sp>
       <p:sp>
         <p:nvSpPr>
-          <p:cNvPr id="4" name="내용 개체 틀 2">
+          <p:cNvPr id="7" name="내용 개체 틀 2">
             <a:extLst>
               <a:ext uri="{FF2B5EF4-FFF2-40B4-BE49-F238E27FC236}">
-                <a16:creationId xmlns:a16="http://schemas.microsoft.com/office/drawing/2014/main" id="{D6A5E1E6-120F-44FA-9579-3FF3BA88F565}"/>
+                <a16:creationId xmlns:a16="http://schemas.microsoft.com/office/drawing/2014/main" id="{9ED34783-7361-44E1-9112-5FFB57C948A1}"/>
               </a:ext>
             </a:extLst>
           </p:cNvPr>
@@ -6123,53 +6292,31 @@
             </a:lvl9pPr>
           </a:lstStyle>
           <a:p>
-            <a:pPr marL="514350" indent="-514350">
-              <a:buAutoNum type="arabicPeriod"/>
+            <a:pPr marL="0" indent="0">
+              <a:buNone/>
             </a:pPr>
             <a:r>
               <a:rPr lang="ko-KR" altLang="en-US" sz="3200" b="1" dirty="0"/>
-              <a:t>서울시 가계대출규모 통계</a:t>
+              <a:t>코로나</a:t>
+            </a:r>
+            <a:r>
+              <a:rPr lang="en-US" altLang="ko-KR" sz="3200" b="1" dirty="0"/>
+              <a:t>-</a:t>
+            </a:r>
+            <a:r>
+              <a:rPr lang="ko-KR" altLang="en-US" sz="3200" b="1" dirty="0"/>
+              <a:t>가계대출 추이와 예측</a:t>
             </a:r>
             <a:endParaRPr lang="en-US" altLang="ko-KR" sz="3200" b="1" dirty="0"/>
           </a:p>
         </p:txBody>
       </p:sp>
-      <p:pic>
-        <p:nvPicPr>
-          <p:cNvPr id="7" name="그림 6">
-            <a:extLst>
-              <a:ext uri="{FF2B5EF4-FFF2-40B4-BE49-F238E27FC236}">
-                <a16:creationId xmlns:a16="http://schemas.microsoft.com/office/drawing/2014/main" id="{CA5DE102-81F8-4091-87FA-7CB1BCDBF8DE}"/>
-              </a:ext>
-            </a:extLst>
-          </p:cNvPr>
-          <p:cNvPicPr>
-            <a:picLocks noChangeAspect="1"/>
-          </p:cNvPicPr>
-          <p:nvPr/>
-        </p:nvPicPr>
-        <p:blipFill>
-          <a:blip r:embed="rId2"/>
-          <a:stretch>
-            <a:fillRect/>
-          </a:stretch>
-        </p:blipFill>
-        <p:spPr>
-          <a:xfrm>
-            <a:off x="648929" y="2405967"/>
-            <a:ext cx="3424229" cy="2526630"/>
-          </a:xfrm>
-          <a:prstGeom prst="rect">
-            <a:avLst/>
-          </a:prstGeom>
-        </p:spPr>
-      </p:pic>
       <p:sp>
         <p:nvSpPr>
-          <p:cNvPr id="8" name="내용 개체 틀 2">
+          <p:cNvPr id="9" name="내용 개체 틀 2">
             <a:extLst>
               <a:ext uri="{FF2B5EF4-FFF2-40B4-BE49-F238E27FC236}">
-                <a16:creationId xmlns:a16="http://schemas.microsoft.com/office/drawing/2014/main" id="{0FBAF090-1659-4EF4-8B97-CCE08CB45FE7}"/>
+                <a16:creationId xmlns:a16="http://schemas.microsoft.com/office/drawing/2014/main" id="{23D93A44-4AB7-48C2-AEB6-45ECEFCD5BB1}"/>
               </a:ext>
             </a:extLst>
           </p:cNvPr>
@@ -6180,15 +6327,15 @@
         </p:nvSpPr>
         <p:spPr>
           <a:xfrm>
-            <a:off x="5565667" y="1674422"/>
-            <a:ext cx="5810894" cy="4261260"/>
+            <a:off x="648929" y="3146961"/>
+            <a:ext cx="3222171" cy="2410691"/>
           </a:xfrm>
           <a:prstGeom prst="rect">
             <a:avLst/>
           </a:prstGeom>
         </p:spPr>
         <p:txBody>
-          <a:bodyPr vert="horz" lIns="91440" tIns="45720" rIns="91440" bIns="45720" rtlCol="0" anchor="ctr">
+          <a:bodyPr vert="horz" lIns="91440" tIns="45720" rIns="91440" bIns="45720" rtlCol="0">
             <a:normAutofit/>
           </a:bodyPr>
           <a:lstStyle>
@@ -6357,143 +6504,84 @@
           </a:lstStyle>
           <a:p>
             <a:r>
-              <a:rPr lang="ko-KR" altLang="en-US" sz="1600" dirty="0"/>
-              <a:t>출처 </a:t>
-            </a:r>
-            <a:r>
-              <a:rPr lang="en-US" altLang="ko-KR" sz="1600" dirty="0"/>
-              <a:t>: </a:t>
-            </a:r>
-            <a:r>
-              <a:rPr lang="en-US" altLang="ko-KR" sz="1600" dirty="0">
-                <a:hlinkClick r:id="rId3"/>
-              </a:rPr>
-              <a:t>https://data.seoul.go.kr/dataList/10339/S/2/datasetView.do</a:t>
-            </a:r>
-            <a:endParaRPr lang="en-US" altLang="ko-KR" sz="1600" dirty="0"/>
-          </a:p>
-          <a:p>
-            <a:endParaRPr lang="en-US" altLang="ko-KR" sz="1600" dirty="0"/>
-          </a:p>
-          <a:p>
-            <a:r>
-              <a:rPr lang="ko-KR" altLang="en-US" sz="1600" dirty="0"/>
-              <a:t>개요 </a:t>
-            </a:r>
-            <a:r>
-              <a:rPr lang="en-US" altLang="ko-KR" sz="1600" dirty="0"/>
-              <a:t>: </a:t>
-            </a:r>
-            <a:r>
-              <a:rPr lang="ko-KR" altLang="en-US" sz="1600" b="0" i="0" dirty="0">
-                <a:solidFill>
-                  <a:srgbClr val="535353"/>
+              <a:rPr lang="ko-KR" altLang="en-US" sz="2400" i="0" dirty="0">
+                <a:solidFill>
+                  <a:srgbClr val="000000"/>
                 </a:solidFill>
                 <a:effectLst/>
                 <a:latin typeface="Noto Sans KR"/>
               </a:rPr>
-              <a:t>예금취급기관</a:t>
-            </a:r>
-            <a:r>
-              <a:rPr lang="en-US" altLang="ko-KR" sz="1600" b="0" i="0" dirty="0">
-                <a:solidFill>
-                  <a:srgbClr val="535353"/>
+              <a:t>시각화 툴 </a:t>
+            </a:r>
+            <a:r>
+              <a:rPr lang="en-US" altLang="ko-KR" sz="2400" i="0" dirty="0">
+                <a:solidFill>
+                  <a:srgbClr val="000000"/>
                 </a:solidFill>
                 <a:effectLst/>
                 <a:latin typeface="Noto Sans KR"/>
               </a:rPr>
-              <a:t>, </a:t>
-            </a:r>
-            <a:r>
-              <a:rPr lang="ko-KR" altLang="en-US" sz="1600" b="0" i="0" dirty="0" err="1">
-                <a:solidFill>
-                  <a:srgbClr val="535353"/>
+              <a:t>: EXCEL</a:t>
+            </a:r>
+          </a:p>
+          <a:p>
+            <a:r>
+              <a:rPr lang="ko-KR" altLang="en-US" sz="2400" i="0" dirty="0">
+                <a:solidFill>
+                  <a:srgbClr val="000000"/>
                 </a:solidFill>
                 <a:effectLst/>
                 <a:latin typeface="Noto Sans KR"/>
               </a:rPr>
-              <a:t>비은행예금취급기관의</a:t>
-            </a:r>
-            <a:r>
-              <a:rPr lang="ko-KR" altLang="en-US" sz="1600" b="0" i="0" dirty="0">
-                <a:solidFill>
-                  <a:srgbClr val="535353"/>
+              <a:t>데이터 연결 </a:t>
+            </a:r>
+            <a:r>
+              <a:rPr lang="en-US" altLang="ko-KR" sz="2400" i="0" dirty="0">
+                <a:solidFill>
+                  <a:srgbClr val="000000"/>
                 </a:solidFill>
                 <a:effectLst/>
                 <a:latin typeface="Noto Sans KR"/>
               </a:rPr>
-              <a:t> 가계대출</a:t>
-            </a:r>
-            <a:endParaRPr lang="en-US" altLang="ko-KR" sz="1600" b="0" i="0" dirty="0">
-              <a:solidFill>
-                <a:srgbClr val="535353"/>
-              </a:solidFill>
-              <a:effectLst/>
-              <a:latin typeface="Noto Sans KR"/>
-            </a:endParaRPr>
-          </a:p>
-          <a:p>
-            <a:endParaRPr lang="en-US" altLang="ko-KR" sz="1600" dirty="0"/>
-          </a:p>
-          <a:p>
-            <a:r>
-              <a:rPr lang="ko-KR" altLang="en-US" sz="1600" dirty="0"/>
-              <a:t>주요 특징 </a:t>
-            </a:r>
-            <a:r>
-              <a:rPr lang="en-US" altLang="ko-KR" sz="1600" dirty="0"/>
-              <a:t>: </a:t>
-            </a:r>
-            <a:r>
-              <a:rPr lang="ko-KR" altLang="en-US" sz="1600" dirty="0" err="1"/>
-              <a:t>예급취급기관</a:t>
-            </a:r>
-            <a:r>
-              <a:rPr lang="ko-KR" altLang="en-US" sz="1600" dirty="0"/>
-              <a:t> 별 가계 대출 총합의 컬럼은 존재하지 않는다</a:t>
-            </a:r>
-            <a:r>
-              <a:rPr lang="en-US" altLang="ko-KR" sz="1600" dirty="0"/>
-              <a:t>. </a:t>
-            </a:r>
-            <a:r>
-              <a:rPr lang="ko-KR" altLang="en-US" sz="1600" dirty="0"/>
-              <a:t>숫자에 쉼표</a:t>
-            </a:r>
-            <a:r>
-              <a:rPr lang="en-US" altLang="ko-KR" sz="1600" dirty="0"/>
-              <a:t>(,) </a:t>
-            </a:r>
-            <a:r>
-              <a:rPr lang="ko-KR" altLang="en-US" sz="1600" dirty="0"/>
-              <a:t>사용이 많아 </a:t>
-            </a:r>
-            <a:r>
-              <a:rPr lang="en-US" altLang="ko-KR" sz="1600" dirty="0"/>
-              <a:t>TXT </a:t>
-            </a:r>
-            <a:r>
-              <a:rPr lang="ko-KR" altLang="en-US" sz="1600" dirty="0"/>
-              <a:t>파일로 제공된다</a:t>
-            </a:r>
-            <a:r>
-              <a:rPr lang="en-US" altLang="ko-KR" sz="1600" dirty="0"/>
-              <a:t>.</a:t>
-            </a:r>
-            <a:endParaRPr lang="ko-KR" altLang="en-US" sz="1600" i="0" dirty="0">
-              <a:solidFill>
-                <a:srgbClr val="000000"/>
-              </a:solidFill>
-              <a:effectLst/>
-              <a:latin typeface="Noto Sans KR"/>
-            </a:endParaRPr>
+              <a:t>: ODBC</a:t>
+            </a:r>
           </a:p>
         </p:txBody>
       </p:sp>
+      <p:graphicFrame>
+        <p:nvGraphicFramePr>
+          <p:cNvPr id="10" name="차트 9">
+            <a:extLst>
+              <a:ext uri="{FF2B5EF4-FFF2-40B4-BE49-F238E27FC236}">
+                <a16:creationId xmlns:a16="http://schemas.microsoft.com/office/drawing/2014/main" id="{BD4BCD63-AC68-4540-8C6B-0A4E2E7BFD06}"/>
+              </a:ext>
+            </a:extLst>
+          </p:cNvPr>
+          <p:cNvGraphicFramePr>
+            <a:graphicFrameLocks/>
+          </p:cNvGraphicFramePr>
+          <p:nvPr>
+            <p:extLst>
+              <p:ext uri="{D42A27DB-BD31-4B8C-83A1-F6EECF244321}">
+                <p14:modId xmlns:p14="http://schemas.microsoft.com/office/powerpoint/2010/main" val="3278780001"/>
+              </p:ext>
+            </p:extLst>
+          </p:nvPr>
+        </p:nvGraphicFramePr>
+        <p:xfrm>
+          <a:off x="5203802" y="1611898"/>
+          <a:ext cx="6423452" cy="4581340"/>
+        </p:xfrm>
+        <a:graphic>
+          <a:graphicData uri="http://schemas.openxmlformats.org/drawingml/2006/chart">
+            <c:chart xmlns:c="http://schemas.openxmlformats.org/drawingml/2006/chart" xmlns:r="http://schemas.openxmlformats.org/officeDocument/2006/relationships" r:id="rId2"/>
+          </a:graphicData>
+        </a:graphic>
+      </p:graphicFrame>
     </p:spTree>
     <p:extLst>
       <p:ext uri="{BB962C8B-B14F-4D97-AF65-F5344CB8AC3E}">
-        <p14:creationId xmlns:p14="http://schemas.microsoft.com/office/powerpoint/2010/main" val="3253768258"/>
+        <p14:creationId xmlns:p14="http://schemas.microsoft.com/office/powerpoint/2010/main" val="3645710804"/>
       </p:ext>
     </p:extLst>
   </p:cSld>
@@ -6503,7 +6591,65 @@
 </p:sld>
 </file>
 
-<file path=ppt/slides/slide4.xml><?xml version="1.0" encoding="utf-8"?>
+<file path=ppt/slides/slide13.xml><?xml version="1.0" encoding="utf-8"?>
+<p:sld xmlns:a="http://schemas.openxmlformats.org/drawingml/2006/main" xmlns:r="http://schemas.openxmlformats.org/officeDocument/2006/relationships" xmlns:p="http://schemas.openxmlformats.org/presentationml/2006/main">
+  <p:cSld>
+    <p:spTree>
+      <p:nvGrpSpPr>
+        <p:cNvPr id="1" name=""/>
+        <p:cNvGrpSpPr/>
+        <p:nvPr/>
+      </p:nvGrpSpPr>
+      <p:grpSpPr>
+        <a:xfrm>
+          <a:off x="0" y="0"/>
+          <a:ext cx="0" cy="0"/>
+          <a:chOff x="0" y="0"/>
+          <a:chExt cx="0" cy="0"/>
+        </a:xfrm>
+      </p:grpSpPr>
+      <p:sp>
+        <p:nvSpPr>
+          <p:cNvPr id="2" name="제목 1">
+            <a:extLst>
+              <a:ext uri="{FF2B5EF4-FFF2-40B4-BE49-F238E27FC236}">
+                <a16:creationId xmlns:a16="http://schemas.microsoft.com/office/drawing/2014/main" id="{8481780F-869A-404B-89FC-C605C4282772}"/>
+              </a:ext>
+            </a:extLst>
+          </p:cNvPr>
+          <p:cNvSpPr>
+            <a:spLocks noGrp="1"/>
+          </p:cNvSpPr>
+          <p:nvPr>
+            <p:ph type="title"/>
+          </p:nvPr>
+        </p:nvSpPr>
+        <p:spPr/>
+        <p:txBody>
+          <a:bodyPr/>
+          <a:lstStyle/>
+          <a:p>
+            <a:r>
+              <a:rPr lang="ko-KR" altLang="en-US" b="1" dirty="0"/>
+              <a:t>인사이트 도출</a:t>
+            </a:r>
+          </a:p>
+        </p:txBody>
+      </p:sp>
+    </p:spTree>
+    <p:extLst>
+      <p:ext uri="{BB962C8B-B14F-4D97-AF65-F5344CB8AC3E}">
+        <p14:creationId xmlns:p14="http://schemas.microsoft.com/office/powerpoint/2010/main" val="3297156891"/>
+      </p:ext>
+    </p:extLst>
+  </p:cSld>
+  <p:clrMapOvr>
+    <a:masterClrMapping/>
+  </p:clrMapOvr>
+</p:sld>
+</file>
+
+<file path=ppt/slides/slide14.xml><?xml version="1.0" encoding="utf-8"?>
 <p:sld xmlns:a="http://schemas.openxmlformats.org/drawingml/2006/main" xmlns:r="http://schemas.openxmlformats.org/officeDocument/2006/relationships" xmlns:p="http://schemas.openxmlformats.org/presentationml/2006/main">
   <p:cSld>
     <p:bg>
@@ -6547,7 +6693,7 @@
         <p:spPr>
           <a:xfrm>
             <a:off x="648929" y="629266"/>
-            <a:ext cx="3505495" cy="1622321"/>
+            <a:ext cx="3761412" cy="1622321"/>
           </a:xfrm>
         </p:spPr>
         <p:txBody>
@@ -6558,17 +6704,16 @@
           <a:p>
             <a:pPr latinLnBrk="0"/>
             <a:r>
-              <a:rPr lang="ko-KR" altLang="en-US" dirty="0"/>
-              <a:t>데이터</a:t>
-            </a:r>
-            <a:endParaRPr lang="en-US" altLang="ko-KR" kern="1200" dirty="0">
-              <a:solidFill>
-                <a:schemeClr val="tx1"/>
-              </a:solidFill>
-              <a:latin typeface="+mj-lt"/>
-              <a:ea typeface="+mj-ea"/>
-              <a:cs typeface="+mj-cs"/>
-            </a:endParaRPr>
+              <a:rPr lang="en-US" altLang="ko-KR" kern="1200" dirty="0">
+                <a:solidFill>
+                  <a:schemeClr val="tx1"/>
+                </a:solidFill>
+                <a:latin typeface="+mj-lt"/>
+                <a:ea typeface="+mj-ea"/>
+                <a:cs typeface="+mj-cs"/>
+              </a:rPr>
+              <a:t>INSIGHT</a:t>
+            </a:r>
           </a:p>
         </p:txBody>
       </p:sp>
@@ -6709,42 +6854,12 @@
           </a:p>
         </p:txBody>
       </p:sp>
-      <p:pic>
-        <p:nvPicPr>
-          <p:cNvPr id="7" name="그림 6">
-            <a:extLst>
-              <a:ext uri="{FF2B5EF4-FFF2-40B4-BE49-F238E27FC236}">
-                <a16:creationId xmlns:a16="http://schemas.microsoft.com/office/drawing/2014/main" id="{4F3973CB-CE40-4C1D-8938-D3EE64CB9073}"/>
-              </a:ext>
-            </a:extLst>
-          </p:cNvPr>
-          <p:cNvPicPr>
-            <a:picLocks noChangeAspect="1"/>
-          </p:cNvPicPr>
-          <p:nvPr/>
-        </p:nvPicPr>
-        <p:blipFill>
-          <a:blip r:embed="rId2"/>
-          <a:stretch>
-            <a:fillRect/>
-          </a:stretch>
-        </p:blipFill>
-        <p:spPr>
-          <a:xfrm>
-            <a:off x="686952" y="2374864"/>
-            <a:ext cx="3291789" cy="2231550"/>
-          </a:xfrm>
-          <a:prstGeom prst="rect">
-            <a:avLst/>
-          </a:prstGeom>
-        </p:spPr>
-      </p:pic>
       <p:sp>
         <p:nvSpPr>
-          <p:cNvPr id="8" name="내용 개체 틀 2">
+          <p:cNvPr id="7" name="내용 개체 틀 2">
             <a:extLst>
               <a:ext uri="{FF2B5EF4-FFF2-40B4-BE49-F238E27FC236}">
-                <a16:creationId xmlns:a16="http://schemas.microsoft.com/office/drawing/2014/main" id="{07E10EF6-5F6A-413E-B0AB-9118BF2F69E5}"/>
+                <a16:creationId xmlns:a16="http://schemas.microsoft.com/office/drawing/2014/main" id="{9ED34783-7361-44E1-9112-5FFB57C948A1}"/>
               </a:ext>
             </a:extLst>
           </p:cNvPr>
@@ -6935,71 +7050,27 @@
               <a:buNone/>
             </a:pPr>
             <a:r>
-              <a:rPr lang="en-US" altLang="ko-KR" sz="3200" b="1" i="0" dirty="0">
-                <a:solidFill>
-                  <a:srgbClr val="000000"/>
-                </a:solidFill>
-                <a:effectLst/>
-                <a:latin typeface="Noto Sans KR"/>
-              </a:rPr>
-              <a:t>2. </a:t>
-            </a:r>
-            <a:r>
-              <a:rPr lang="ko-KR" altLang="en-US" sz="3200" b="1" i="0" dirty="0">
-                <a:solidFill>
-                  <a:srgbClr val="000000"/>
-                </a:solidFill>
-                <a:effectLst/>
-                <a:latin typeface="Noto Sans KR"/>
-              </a:rPr>
-              <a:t>서울시 코로나</a:t>
-            </a:r>
-            <a:r>
-              <a:rPr lang="en-US" altLang="ko-KR" sz="3200" b="1" i="0" dirty="0">
-                <a:solidFill>
-                  <a:srgbClr val="000000"/>
-                </a:solidFill>
-                <a:effectLst/>
-                <a:latin typeface="Noto Sans KR"/>
-              </a:rPr>
-              <a:t>19 </a:t>
-            </a:r>
-            <a:r>
-              <a:rPr lang="ko-KR" altLang="en-US" sz="3200" b="1" i="0" dirty="0" err="1">
-                <a:solidFill>
-                  <a:srgbClr val="000000"/>
-                </a:solidFill>
-                <a:effectLst/>
-                <a:latin typeface="Noto Sans KR"/>
-              </a:rPr>
-              <a:t>확진자</a:t>
-            </a:r>
-            <a:r>
-              <a:rPr lang="ko-KR" altLang="en-US" sz="3200" b="1" i="0" dirty="0">
-                <a:solidFill>
-                  <a:srgbClr val="000000"/>
-                </a:solidFill>
-                <a:effectLst/>
-                <a:latin typeface="Noto Sans KR"/>
-              </a:rPr>
-              <a:t> 현황</a:t>
-            </a:r>
-            <a:endParaRPr lang="en-US" altLang="ko-KR" sz="3200" b="1" i="0" dirty="0">
-              <a:solidFill>
-                <a:srgbClr val="000000"/>
-              </a:solidFill>
-              <a:effectLst/>
-              <a:latin typeface="Noto Sans KR"/>
-            </a:endParaRPr>
+              <a:rPr lang="ko-KR" altLang="en-US" sz="3200" b="1" dirty="0"/>
+              <a:t>코로나</a:t>
+            </a:r>
+            <a:r>
+              <a:rPr lang="en-US" altLang="ko-KR" sz="3200" b="1" dirty="0"/>
+              <a:t>,</a:t>
+            </a:r>
+            <a:r>
+              <a:rPr lang="ko-KR" altLang="en-US" sz="3200" b="1" dirty="0"/>
+              <a:t> 대출로 버티는 가계</a:t>
+            </a:r>
+            <a:endParaRPr lang="en-US" altLang="ko-KR" sz="3200" b="1" dirty="0"/>
           </a:p>
         </p:txBody>
       </p:sp>
       <p:sp>
         <p:nvSpPr>
-          <p:cNvPr id="9" name="내용 개체 틀 2">
+          <p:cNvPr id="8" name="내용 개체 틀 2">
             <a:extLst>
               <a:ext uri="{FF2B5EF4-FFF2-40B4-BE49-F238E27FC236}">
-                <a16:creationId xmlns:a16="http://schemas.microsoft.com/office/drawing/2014/main" id="{5E9DB40B-C558-474C-BDC5-80FB90378A8C}"/>
+                <a16:creationId xmlns:a16="http://schemas.microsoft.com/office/drawing/2014/main" id="{537152BD-94C6-4430-B944-13B7B02B064A}"/>
               </a:ext>
             </a:extLst>
           </p:cNvPr>
@@ -7186,34 +7257,172 @@
             </a:lvl9pPr>
           </a:lstStyle>
           <a:p>
+            <a:pPr latinLnBrk="0"/>
+            <a:r>
+              <a:rPr lang="ko-KR" altLang="en-US" sz="1600" b="0" i="0" dirty="0">
+                <a:solidFill>
+                  <a:srgbClr val="333333"/>
+                </a:solidFill>
+                <a:effectLst/>
+                <a:latin typeface="맑은 고딕" panose="020B0503020000020004" pitchFamily="50" charset="-127"/>
+                <a:ea typeface="맑은 고딕" panose="020B0503020000020004" pitchFamily="50" charset="-127"/>
+              </a:rPr>
+              <a:t>코로나</a:t>
+            </a:r>
+            <a:r>
+              <a:rPr lang="en-US" altLang="ko-KR" sz="1600" b="0" i="0" dirty="0">
+                <a:solidFill>
+                  <a:srgbClr val="333333"/>
+                </a:solidFill>
+                <a:effectLst/>
+                <a:latin typeface="맑은 고딕" panose="020B0503020000020004" pitchFamily="50" charset="-127"/>
+                <a:ea typeface="맑은 고딕" panose="020B0503020000020004" pitchFamily="50" charset="-127"/>
+              </a:rPr>
+              <a:t>19 </a:t>
+            </a:r>
             <a:r>
               <a:rPr lang="ko-KR" altLang="en-US" sz="1600" dirty="0">
                 <a:solidFill>
-                  <a:srgbClr val="000000"/>
-                </a:solidFill>
-                <a:latin typeface="Noto Sans KR"/>
+                  <a:srgbClr val="333333"/>
+                </a:solidFill>
+                <a:latin typeface="맑은 고딕" panose="020B0503020000020004" pitchFamily="50" charset="-127"/>
+                <a:ea typeface="맑은 고딕" panose="020B0503020000020004" pitchFamily="50" charset="-127"/>
               </a:rPr>
-              <a:t>출처 </a:t>
+              <a:t>가 심화됨에 따라</a:t>
+            </a:r>
+            <a:r>
+              <a:rPr lang="ko-KR" altLang="en-US" sz="1600" b="0" i="0" dirty="0">
+                <a:solidFill>
+                  <a:srgbClr val="333333"/>
+                </a:solidFill>
+                <a:effectLst/>
+                <a:latin typeface="맑은 고딕" panose="020B0503020000020004" pitchFamily="50" charset="-127"/>
+                <a:ea typeface="맑은 고딕" panose="020B0503020000020004" pitchFamily="50" charset="-127"/>
+              </a:rPr>
+              <a:t> 인해 가계가 소득 감소 등의</a:t>
+            </a:r>
+            <a:r>
+              <a:rPr lang="en-US" altLang="ko-KR" sz="1600" b="0" i="0" dirty="0">
+                <a:solidFill>
+                  <a:srgbClr val="333333"/>
+                </a:solidFill>
+                <a:effectLst/>
+                <a:latin typeface="맑은 고딕" panose="020B0503020000020004" pitchFamily="50" charset="-127"/>
+                <a:ea typeface="맑은 고딕" panose="020B0503020000020004" pitchFamily="50" charset="-127"/>
+              </a:rPr>
+              <a:t> </a:t>
+            </a:r>
+            <a:r>
+              <a:rPr lang="ko-KR" altLang="en-US" sz="1600" b="0" i="0" dirty="0">
+                <a:solidFill>
+                  <a:srgbClr val="333333"/>
+                </a:solidFill>
+                <a:effectLst/>
+                <a:latin typeface="맑은 고딕" panose="020B0503020000020004" pitchFamily="50" charset="-127"/>
+                <a:ea typeface="맑은 고딕" panose="020B0503020000020004" pitchFamily="50" charset="-127"/>
+              </a:rPr>
+              <a:t>직격탄을 맞아 가계대출 증가로 이어진 것으로 보인다</a:t>
+            </a:r>
+            <a:r>
+              <a:rPr lang="en-US" altLang="ko-KR" sz="1600" b="0" i="0" dirty="0">
+                <a:solidFill>
+                  <a:srgbClr val="333333"/>
+                </a:solidFill>
+                <a:effectLst/>
+                <a:latin typeface="맑은 고딕" panose="020B0503020000020004" pitchFamily="50" charset="-127"/>
+                <a:ea typeface="맑은 고딕" panose="020B0503020000020004" pitchFamily="50" charset="-127"/>
+              </a:rPr>
+              <a:t>.</a:t>
+            </a:r>
+          </a:p>
+          <a:p>
+            <a:pPr marL="0" indent="0" latinLnBrk="0">
+              <a:buNone/>
+            </a:pPr>
+            <a:endParaRPr lang="en-US" altLang="ko-KR" sz="1600" dirty="0">
+              <a:solidFill>
+                <a:srgbClr val="333333"/>
+              </a:solidFill>
+              <a:latin typeface="맑은 고딕" panose="020B0503020000020004" pitchFamily="50" charset="-127"/>
+              <a:ea typeface="맑은 고딕" panose="020B0503020000020004" pitchFamily="50" charset="-127"/>
+            </a:endParaRPr>
+          </a:p>
+          <a:p>
+            <a:pPr latinLnBrk="0"/>
+            <a:r>
+              <a:rPr lang="ko-KR" altLang="en-US" sz="1600" b="0" i="0" dirty="0">
+                <a:solidFill>
+                  <a:srgbClr val="333333"/>
+                </a:solidFill>
+                <a:effectLst/>
+                <a:latin typeface="맑은 고딕" panose="020B0503020000020004" pitchFamily="50" charset="-127"/>
+                <a:ea typeface="맑은 고딕" panose="020B0503020000020004" pitchFamily="50" charset="-127"/>
+              </a:rPr>
+              <a:t>코로나</a:t>
+            </a:r>
+            <a:r>
+              <a:rPr lang="en-US" altLang="ko-KR" sz="1600" b="0" i="0" dirty="0">
+                <a:solidFill>
+                  <a:srgbClr val="333333"/>
+                </a:solidFill>
+                <a:effectLst/>
+                <a:latin typeface="맑은 고딕" panose="020B0503020000020004" pitchFamily="50" charset="-127"/>
+                <a:ea typeface="맑은 고딕" panose="020B0503020000020004" pitchFamily="50" charset="-127"/>
+              </a:rPr>
+              <a:t>19 </a:t>
+            </a:r>
+            <a:r>
+              <a:rPr lang="ko-KR" altLang="en-US" sz="1600" b="0" i="0" dirty="0">
+                <a:solidFill>
+                  <a:srgbClr val="333333"/>
+                </a:solidFill>
+                <a:effectLst/>
+                <a:latin typeface="맑은 고딕" panose="020B0503020000020004" pitchFamily="50" charset="-127"/>
+                <a:ea typeface="맑은 고딕" panose="020B0503020000020004" pitchFamily="50" charset="-127"/>
+              </a:rPr>
+              <a:t>확진자는 지속적으로 증가하는 추세로</a:t>
+            </a:r>
+            <a:r>
+              <a:rPr lang="en-US" altLang="ko-KR" sz="1600" b="0" i="0" dirty="0">
+                <a:solidFill>
+                  <a:srgbClr val="333333"/>
+                </a:solidFill>
+                <a:effectLst/>
+                <a:latin typeface="맑은 고딕" panose="020B0503020000020004" pitchFamily="50" charset="-127"/>
+                <a:ea typeface="맑은 고딕" panose="020B0503020000020004" pitchFamily="50" charset="-127"/>
+              </a:rPr>
+              <a:t>, </a:t>
+            </a:r>
+            <a:r>
+              <a:rPr lang="ko-KR" altLang="en-US" sz="1600" b="0" i="0" dirty="0">
+                <a:solidFill>
+                  <a:srgbClr val="333333"/>
+                </a:solidFill>
+                <a:effectLst/>
+                <a:latin typeface="맑은 고딕" panose="020B0503020000020004" pitchFamily="50" charset="-127"/>
+                <a:ea typeface="맑은 고딕" panose="020B0503020000020004" pitchFamily="50" charset="-127"/>
+              </a:rPr>
+              <a:t>경기 악화로 인해 향후에도 가계가 대출을 대폭 늘릴 것으로 </a:t>
+            </a:r>
+            <a:r>
+              <a:rPr lang="ko-KR" altLang="en-US" sz="1600" dirty="0">
+                <a:solidFill>
+                  <a:srgbClr val="333333"/>
+                </a:solidFill>
+                <a:latin typeface="맑은 고딕" panose="020B0503020000020004" pitchFamily="50" charset="-127"/>
+                <a:ea typeface="맑은 고딕" panose="020B0503020000020004" pitchFamily="50" charset="-127"/>
+              </a:rPr>
+              <a:t>예측된다</a:t>
             </a:r>
             <a:r>
               <a:rPr lang="en-US" altLang="ko-KR" sz="1600" dirty="0">
                 <a:solidFill>
-                  <a:srgbClr val="000000"/>
-                </a:solidFill>
-                <a:latin typeface="Noto Sans KR"/>
+                  <a:srgbClr val="333333"/>
+                </a:solidFill>
+                <a:latin typeface="맑은 고딕" panose="020B0503020000020004" pitchFamily="50" charset="-127"/>
+                <a:ea typeface="맑은 고딕" panose="020B0503020000020004" pitchFamily="50" charset="-127"/>
               </a:rPr>
-              <a:t>: </a:t>
-            </a:r>
-            <a:r>
-              <a:rPr lang="en-US" altLang="ko-KR" sz="1600" i="0" dirty="0">
-                <a:solidFill>
-                  <a:srgbClr val="000000"/>
-                </a:solidFill>
-                <a:effectLst/>
-                <a:latin typeface="Noto Sans KR"/>
-                <a:hlinkClick r:id="rId3"/>
-              </a:rPr>
-              <a:t>http://data.seoul.go.kr/dataList/OA-20279/S/1/datasetView.do</a:t>
+              <a:t>.</a:t>
             </a:r>
             <a:endParaRPr lang="en-US" altLang="ko-KR" sz="1600" i="0" dirty="0">
               <a:solidFill>
@@ -7223,180 +7432,59 @@
               <a:latin typeface="Noto Sans KR"/>
             </a:endParaRPr>
           </a:p>
-          <a:p>
-            <a:endParaRPr lang="en-US" altLang="ko-KR" sz="1600" i="0" dirty="0">
-              <a:solidFill>
-                <a:srgbClr val="000000"/>
-              </a:solidFill>
-              <a:effectLst/>
-              <a:latin typeface="Noto Sans KR"/>
-            </a:endParaRPr>
-          </a:p>
-          <a:p>
-            <a:r>
-              <a:rPr lang="ko-KR" altLang="en-US" sz="1600" i="0" dirty="0">
-                <a:solidFill>
-                  <a:srgbClr val="000000"/>
-                </a:solidFill>
-                <a:effectLst/>
-                <a:latin typeface="Noto Sans KR"/>
-              </a:rPr>
-              <a:t>개요 </a:t>
-            </a:r>
-            <a:r>
-              <a:rPr lang="en-US" altLang="ko-KR" sz="1600" i="0" dirty="0">
-                <a:solidFill>
-                  <a:srgbClr val="000000"/>
-                </a:solidFill>
-                <a:effectLst/>
-                <a:latin typeface="Noto Sans KR"/>
-              </a:rPr>
-              <a:t>: </a:t>
-            </a:r>
-            <a:r>
-              <a:rPr lang="ko-KR" altLang="en-US" sz="1600" b="0" i="0" dirty="0">
-                <a:solidFill>
-                  <a:srgbClr val="535353"/>
-                </a:solidFill>
-                <a:effectLst/>
-                <a:latin typeface="Noto Sans KR"/>
-              </a:rPr>
-              <a:t>서울시 기준의 코로나</a:t>
-            </a:r>
-            <a:r>
-              <a:rPr lang="en-US" altLang="ko-KR" sz="1600" b="0" i="0" dirty="0">
-                <a:solidFill>
-                  <a:srgbClr val="535353"/>
-                </a:solidFill>
-                <a:effectLst/>
-                <a:latin typeface="Noto Sans KR"/>
-              </a:rPr>
-              <a:t>19 </a:t>
-            </a:r>
-            <a:r>
-              <a:rPr lang="ko-KR" altLang="en-US" sz="1600" b="0" i="0" dirty="0" err="1">
-                <a:solidFill>
-                  <a:srgbClr val="535353"/>
-                </a:solidFill>
-                <a:effectLst/>
-                <a:latin typeface="Noto Sans KR"/>
-              </a:rPr>
-              <a:t>확진자</a:t>
-            </a:r>
-            <a:r>
-              <a:rPr lang="ko-KR" altLang="en-US" sz="1600" b="0" i="0" dirty="0">
-                <a:solidFill>
-                  <a:srgbClr val="535353"/>
-                </a:solidFill>
-                <a:effectLst/>
-                <a:latin typeface="Noto Sans KR"/>
-              </a:rPr>
-              <a:t> 관련 정보 현황</a:t>
-            </a:r>
-            <a:endParaRPr lang="en-US" altLang="ko-KR" sz="1600" b="0" i="0" dirty="0">
-              <a:solidFill>
-                <a:srgbClr val="535353"/>
-              </a:solidFill>
-              <a:effectLst/>
-              <a:latin typeface="Noto Sans KR"/>
-            </a:endParaRPr>
-          </a:p>
-          <a:p>
-            <a:endParaRPr lang="en-US" altLang="ko-KR" sz="1600" i="0" dirty="0">
-              <a:solidFill>
-                <a:srgbClr val="000000"/>
-              </a:solidFill>
-              <a:effectLst/>
-              <a:latin typeface="Noto Sans KR"/>
-            </a:endParaRPr>
-          </a:p>
-          <a:p>
-            <a:r>
-              <a:rPr lang="ko-KR" altLang="en-US" sz="1600" dirty="0">
-                <a:solidFill>
-                  <a:srgbClr val="000000"/>
-                </a:solidFill>
-                <a:latin typeface="Noto Sans KR"/>
-              </a:rPr>
-              <a:t>주요 특징 </a:t>
-            </a:r>
-            <a:r>
-              <a:rPr lang="en-US" altLang="ko-KR" sz="1600" dirty="0">
-                <a:solidFill>
-                  <a:srgbClr val="000000"/>
-                </a:solidFill>
-                <a:latin typeface="Noto Sans KR"/>
-              </a:rPr>
-              <a:t>:  </a:t>
-            </a:r>
-            <a:r>
-              <a:rPr lang="ko-KR" altLang="en-US" sz="1600" dirty="0">
-                <a:solidFill>
-                  <a:srgbClr val="000000"/>
-                </a:solidFill>
-                <a:latin typeface="Noto Sans KR"/>
-              </a:rPr>
-              <a:t>각 컬럼이 </a:t>
-            </a:r>
-            <a:r>
-              <a:rPr lang="ko-KR" altLang="en-US" sz="1600" dirty="0" err="1">
-                <a:solidFill>
-                  <a:srgbClr val="000000"/>
-                </a:solidFill>
-                <a:latin typeface="Noto Sans KR"/>
-              </a:rPr>
-              <a:t>확진자</a:t>
-            </a:r>
-            <a:r>
-              <a:rPr lang="ko-KR" altLang="en-US" sz="1600" dirty="0">
-                <a:solidFill>
-                  <a:srgbClr val="000000"/>
-                </a:solidFill>
-                <a:latin typeface="Noto Sans KR"/>
-              </a:rPr>
-              <a:t> </a:t>
-            </a:r>
-            <a:r>
-              <a:rPr lang="en-US" altLang="ko-KR" sz="1600" dirty="0">
-                <a:solidFill>
-                  <a:srgbClr val="000000"/>
-                </a:solidFill>
-                <a:latin typeface="Noto Sans KR"/>
-              </a:rPr>
-              <a:t>1</a:t>
-            </a:r>
-            <a:r>
-              <a:rPr lang="ko-KR" altLang="en-US" sz="1600" dirty="0">
-                <a:solidFill>
-                  <a:srgbClr val="000000"/>
-                </a:solidFill>
-                <a:latin typeface="Noto Sans KR"/>
-              </a:rPr>
-              <a:t>명이 발생했음을 의미한다</a:t>
-            </a:r>
-            <a:r>
-              <a:rPr lang="en-US" altLang="ko-KR" sz="1600" dirty="0">
-                <a:solidFill>
-                  <a:srgbClr val="000000"/>
-                </a:solidFill>
-                <a:latin typeface="Noto Sans KR"/>
-              </a:rPr>
-              <a:t>.</a:t>
-            </a:r>
-            <a:endParaRPr lang="en-US" altLang="ko-KR" sz="1600" i="0" dirty="0">
-              <a:solidFill>
-                <a:srgbClr val="000000"/>
-              </a:solidFill>
-              <a:effectLst/>
-              <a:latin typeface="Noto Sans KR"/>
-            </a:endParaRPr>
-          </a:p>
         </p:txBody>
       </p:sp>
+      <p:pic>
+        <p:nvPicPr>
+          <p:cNvPr id="1026" name="Picture 2" descr="웹툰 - 홍보자료 - 알림마당 - 금융위원회">
+            <a:extLst>
+              <a:ext uri="{FF2B5EF4-FFF2-40B4-BE49-F238E27FC236}">
+                <a16:creationId xmlns:a16="http://schemas.microsoft.com/office/drawing/2014/main" id="{4CD6C616-2827-4BF6-AE89-7F45B7668CB0}"/>
+              </a:ext>
+            </a:extLst>
+          </p:cNvPr>
+          <p:cNvPicPr>
+            <a:picLocks noChangeAspect="1" noChangeArrowheads="1"/>
+          </p:cNvPicPr>
+          <p:nvPr/>
+        </p:nvPicPr>
+        <p:blipFill>
+          <a:blip r:embed="rId2">
+            <a:extLst>
+              <a:ext uri="{28A0092B-C50C-407E-A947-70E740481C1C}">
+                <a14:useLocalDpi xmlns:a14="http://schemas.microsoft.com/office/drawing/2010/main" val="0"/>
+              </a:ext>
+            </a:extLst>
+          </a:blip>
+          <a:srcRect/>
+          <a:stretch>
+            <a:fillRect/>
+          </a:stretch>
+        </p:blipFill>
+        <p:spPr bwMode="auto">
+          <a:xfrm>
+            <a:off x="484214" y="2095520"/>
+            <a:ext cx="3781586" cy="3781586"/>
+          </a:xfrm>
+          <a:prstGeom prst="rect">
+            <a:avLst/>
+          </a:prstGeom>
+          <a:noFill/>
+          <a:extLst>
+            <a:ext uri="{909E8E84-426E-40DD-AFC4-6F175D3DCCD1}">
+              <a14:hiddenFill xmlns:a14="http://schemas.microsoft.com/office/drawing/2010/main">
+                <a:solidFill>
+                  <a:srgbClr val="FFFFFF"/>
+                </a:solidFill>
+              </a14:hiddenFill>
+            </a:ext>
+          </a:extLst>
+        </p:spPr>
+      </p:pic>
     </p:spTree>
     <p:extLst>
       <p:ext uri="{BB962C8B-B14F-4D97-AF65-F5344CB8AC3E}">
-        <p14:creationId xmlns:p14="http://schemas.microsoft.com/office/powerpoint/2010/main" val="2881698335"/>
+        <p14:creationId xmlns:p14="http://schemas.microsoft.com/office/powerpoint/2010/main" val="3259633871"/>
       </p:ext>
     </p:extLst>
   </p:cSld>
@@ -7406,7 +7494,65 @@
 </p:sld>
 </file>
 
-<file path=ppt/slides/slide5.xml><?xml version="1.0" encoding="utf-8"?>
+<file path=ppt/slides/slide2.xml><?xml version="1.0" encoding="utf-8"?>
+<p:sld xmlns:a="http://schemas.openxmlformats.org/drawingml/2006/main" xmlns:r="http://schemas.openxmlformats.org/officeDocument/2006/relationships" xmlns:p="http://schemas.openxmlformats.org/presentationml/2006/main">
+  <p:cSld>
+    <p:spTree>
+      <p:nvGrpSpPr>
+        <p:cNvPr id="1" name=""/>
+        <p:cNvGrpSpPr/>
+        <p:nvPr/>
+      </p:nvGrpSpPr>
+      <p:grpSpPr>
+        <a:xfrm>
+          <a:off x="0" y="0"/>
+          <a:ext cx="0" cy="0"/>
+          <a:chOff x="0" y="0"/>
+          <a:chExt cx="0" cy="0"/>
+        </a:xfrm>
+      </p:grpSpPr>
+      <p:sp>
+        <p:nvSpPr>
+          <p:cNvPr id="2" name="제목 1">
+            <a:extLst>
+              <a:ext uri="{FF2B5EF4-FFF2-40B4-BE49-F238E27FC236}">
+                <a16:creationId xmlns:a16="http://schemas.microsoft.com/office/drawing/2014/main" id="{8481780F-869A-404B-89FC-C605C4282772}"/>
+              </a:ext>
+            </a:extLst>
+          </p:cNvPr>
+          <p:cNvSpPr>
+            <a:spLocks noGrp="1"/>
+          </p:cNvSpPr>
+          <p:nvPr>
+            <p:ph type="title"/>
+          </p:nvPr>
+        </p:nvSpPr>
+        <p:spPr/>
+        <p:txBody>
+          <a:bodyPr/>
+          <a:lstStyle/>
+          <a:p>
+            <a:r>
+              <a:rPr lang="ko-KR" altLang="en-US" b="1" dirty="0"/>
+              <a:t>주제</a:t>
+            </a:r>
+          </a:p>
+        </p:txBody>
+      </p:sp>
+    </p:spTree>
+    <p:extLst>
+      <p:ext uri="{BB962C8B-B14F-4D97-AF65-F5344CB8AC3E}">
+        <p14:creationId xmlns:p14="http://schemas.microsoft.com/office/powerpoint/2010/main" val="3749129662"/>
+      </p:ext>
+    </p:extLst>
+  </p:cSld>
+  <p:clrMapOvr>
+    <a:masterClrMapping/>
+  </p:clrMapOvr>
+</p:sld>
+</file>
+
+<file path=ppt/slides/slide3.xml><?xml version="1.0" encoding="utf-8"?>
 <p:sld xmlns:a="http://schemas.openxmlformats.org/drawingml/2006/main" xmlns:r="http://schemas.openxmlformats.org/officeDocument/2006/relationships" xmlns:p="http://schemas.openxmlformats.org/presentationml/2006/main">
   <p:cSld>
     <p:bg>
@@ -7461,16 +7607,17 @@
           <a:p>
             <a:pPr latinLnBrk="0"/>
             <a:r>
-              <a:rPr lang="en-US" altLang="ko-KR" kern="1200" dirty="0">
-                <a:solidFill>
-                  <a:schemeClr val="tx1"/>
-                </a:solidFill>
-                <a:latin typeface="+mj-lt"/>
-                <a:ea typeface="+mj-ea"/>
-                <a:cs typeface="+mj-cs"/>
-              </a:rPr>
-              <a:t>SQL</a:t>
-            </a:r>
+              <a:rPr lang="ko-KR" altLang="en-US" dirty="0"/>
+              <a:t>주제</a:t>
+            </a:r>
+            <a:endParaRPr lang="en-US" altLang="ko-KR" kern="1200" dirty="0">
+              <a:solidFill>
+                <a:schemeClr val="tx1"/>
+              </a:solidFill>
+              <a:latin typeface="+mj-lt"/>
+              <a:ea typeface="+mj-ea"/>
+              <a:cs typeface="+mj-cs"/>
+            </a:endParaRPr>
           </a:p>
         </p:txBody>
       </p:sp>
@@ -7611,42 +7758,12 @@
           </a:p>
         </p:txBody>
       </p:sp>
-      <p:pic>
-        <p:nvPicPr>
-          <p:cNvPr id="7" name="그림 6">
-            <a:extLst>
-              <a:ext uri="{FF2B5EF4-FFF2-40B4-BE49-F238E27FC236}">
-                <a16:creationId xmlns:a16="http://schemas.microsoft.com/office/drawing/2014/main" id="{7FD081D7-3FDD-4E8E-894D-2BAF2DC1F5EF}"/>
-              </a:ext>
-            </a:extLst>
-          </p:cNvPr>
-          <p:cNvPicPr>
-            <a:picLocks noChangeAspect="1"/>
-          </p:cNvPicPr>
-          <p:nvPr/>
-        </p:nvPicPr>
-        <p:blipFill>
-          <a:blip r:embed="rId2"/>
-          <a:stretch>
-            <a:fillRect/>
-          </a:stretch>
-        </p:blipFill>
-        <p:spPr>
-          <a:xfrm>
-            <a:off x="815439" y="2186163"/>
-            <a:ext cx="2977674" cy="3668372"/>
-          </a:xfrm>
-          <a:prstGeom prst="rect">
-            <a:avLst/>
-          </a:prstGeom>
-        </p:spPr>
-      </p:pic>
       <p:sp>
         <p:nvSpPr>
           <p:cNvPr id="8" name="내용 개체 틀 2">
             <a:extLst>
               <a:ext uri="{FF2B5EF4-FFF2-40B4-BE49-F238E27FC236}">
-                <a16:creationId xmlns:a16="http://schemas.microsoft.com/office/drawing/2014/main" id="{336DD08B-6D8B-44BD-9C00-6B60231B17D5}"/>
+                <a16:creationId xmlns:a16="http://schemas.microsoft.com/office/drawing/2014/main" id="{AB2EC665-3BD9-4B6B-8824-4D981295749D}"/>
               </a:ext>
             </a:extLst>
           </p:cNvPr>
@@ -7833,26 +7950,25 @@
             </a:lvl9pPr>
           </a:lstStyle>
           <a:p>
-            <a:pPr marL="0" indent="0" latinLnBrk="0">
+            <a:pPr marL="0" indent="0">
               <a:buNone/>
             </a:pPr>
             <a:r>
-              <a:rPr lang="en-US" altLang="ko-KR" sz="3000" b="1" dirty="0"/>
-              <a:t>1. </a:t>
-            </a:r>
-            <a:r>
-              <a:rPr lang="ko-KR" altLang="en-US" sz="3200" b="1" dirty="0"/>
-              <a:t>월별 코로나 </a:t>
-            </a:r>
-            <a:r>
-              <a:rPr lang="ko-KR" altLang="en-US" sz="3200" b="1" dirty="0" err="1"/>
-              <a:t>확진자</a:t>
-            </a:r>
-            <a:r>
-              <a:rPr lang="ko-KR" altLang="en-US" sz="3200" b="1" dirty="0"/>
-              <a:t> 수 추출</a:t>
-            </a:r>
-            <a:endParaRPr lang="en-US" altLang="ko-KR" sz="3000" b="1" dirty="0"/>
+              <a:rPr lang="ko-KR" altLang="en-US" sz="3200" b="1" dirty="0">
+                <a:solidFill>
+                  <a:srgbClr val="000000"/>
+                </a:solidFill>
+                <a:latin typeface="Noto Sans KR"/>
+              </a:rPr>
+              <a:t>코로나 심화에 따른 가계대출</a:t>
+            </a:r>
+            <a:endParaRPr lang="en-US" altLang="ko-KR" sz="3200" b="1" i="0" dirty="0">
+              <a:solidFill>
+                <a:srgbClr val="000000"/>
+              </a:solidFill>
+              <a:effectLst/>
+              <a:latin typeface="Noto Sans KR"/>
+            </a:endParaRPr>
           </a:p>
         </p:txBody>
       </p:sp>
@@ -7861,7 +7977,7 @@
           <p:cNvPr id="9" name="내용 개체 틀 2">
             <a:extLst>
               <a:ext uri="{FF2B5EF4-FFF2-40B4-BE49-F238E27FC236}">
-                <a16:creationId xmlns:a16="http://schemas.microsoft.com/office/drawing/2014/main" id="{D801AF01-563E-4A34-9701-06CAA8A6B319}"/>
+                <a16:creationId xmlns:a16="http://schemas.microsoft.com/office/drawing/2014/main" id="{AC8CAA01-2FD7-4EBA-A40F-E85C738CDBF5}"/>
               </a:ext>
             </a:extLst>
           </p:cNvPr>
@@ -8048,56 +8164,87 @@
             </a:lvl9pPr>
           </a:lstStyle>
           <a:p>
-            <a:pPr marL="0" indent="0">
-              <a:buNone/>
-            </a:pPr>
+            <a:r>
+              <a:rPr lang="ko-KR" altLang="en-US" sz="1600" dirty="0"/>
+              <a:t>코로나 발생 동향과 가계 대출 동향 데이터를 바탕으로 둘 사이의 연관관계를 분석한다</a:t>
+            </a:r>
             <a:r>
               <a:rPr lang="en-US" altLang="ko-KR" sz="1600" dirty="0"/>
-              <a:t>SELECT </a:t>
-            </a:r>
-          </a:p>
-          <a:p>
-            <a:pPr marL="0" indent="0">
-              <a:buNone/>
-            </a:pPr>
+              <a:t>.</a:t>
+            </a:r>
+            <a:r>
+              <a:rPr lang="ko-KR" altLang="en-US" sz="1600" dirty="0"/>
+              <a:t> </a:t>
+            </a:r>
+            <a:endParaRPr lang="en-US" altLang="ko-KR" sz="1600" dirty="0"/>
+          </a:p>
+          <a:p>
+            <a:endParaRPr lang="en-US" altLang="ko-KR" sz="1600" dirty="0"/>
+          </a:p>
+          <a:p>
+            <a:r>
+              <a:rPr lang="ko-KR" altLang="en-US" sz="1600" dirty="0"/>
+              <a:t>분석된 자료를 가계대출 부서의 상품 마케팅 기초 자료로 활용한다</a:t>
+            </a:r>
             <a:r>
               <a:rPr lang="en-US" altLang="ko-KR" sz="1600" dirty="0"/>
-              <a:t>SUBSTR(REGDATE,0,5) AS REGDATE, COUNT(ID) COUNT </a:t>
-            </a:r>
-          </a:p>
-          <a:p>
-            <a:pPr marL="0" indent="0">
-              <a:buNone/>
-            </a:pPr>
-            <a:r>
-              <a:rPr lang="en-US" altLang="ko-KR" sz="1600" dirty="0"/>
-              <a:t>FROM CORONA </a:t>
-            </a:r>
-          </a:p>
-          <a:p>
-            <a:pPr marL="0" indent="0">
-              <a:buNone/>
-            </a:pPr>
-            <a:r>
-              <a:rPr lang="en-US" altLang="ko-KR" sz="1600" dirty="0"/>
-              <a:t>GROUP BY SUBSTR(REGDATE,0,5) </a:t>
-            </a:r>
-          </a:p>
-          <a:p>
-            <a:pPr marL="0" indent="0">
-              <a:buNone/>
-            </a:pPr>
-            <a:r>
-              <a:rPr lang="en-US" altLang="ko-KR" sz="1600" dirty="0"/>
-              <a:t>ORDER BY REGDATE;</a:t>
-            </a:r>
+              <a:t>.</a:t>
+            </a:r>
+          </a:p>
+          <a:p>
+            <a:endParaRPr lang="ko-KR" altLang="en-US" sz="1600" dirty="0"/>
           </a:p>
         </p:txBody>
       </p:sp>
+      <p:pic>
+        <p:nvPicPr>
+          <p:cNvPr id="2050" name="Picture 2" descr="신종 코로나바이러스(코로나19)' 불안감이 바꿔 놓은 우리들의 일상생활 - 산업종합저널">
+            <a:extLst>
+              <a:ext uri="{FF2B5EF4-FFF2-40B4-BE49-F238E27FC236}">
+                <a16:creationId xmlns:a16="http://schemas.microsoft.com/office/drawing/2014/main" id="{A3B239CA-2ECE-476D-8EA4-1EDE6ACEF375}"/>
+              </a:ext>
+            </a:extLst>
+          </p:cNvPr>
+          <p:cNvPicPr>
+            <a:picLocks noChangeAspect="1" noChangeArrowheads="1"/>
+          </p:cNvPicPr>
+          <p:nvPr/>
+        </p:nvPicPr>
+        <p:blipFill rotWithShape="1">
+          <a:blip r:embed="rId2">
+            <a:extLst>
+              <a:ext uri="{28A0092B-C50C-407E-A947-70E740481C1C}">
+                <a14:useLocalDpi xmlns:a14="http://schemas.microsoft.com/office/drawing/2010/main" val="0"/>
+              </a:ext>
+            </a:extLst>
+          </a:blip>
+          <a:srcRect r="31673"/>
+          <a:stretch/>
+        </p:blipFill>
+        <p:spPr bwMode="auto">
+          <a:xfrm>
+            <a:off x="579887" y="2024042"/>
+            <a:ext cx="3643577" cy="3562020"/>
+          </a:xfrm>
+          <a:prstGeom prst="rect">
+            <a:avLst/>
+          </a:prstGeom>
+          <a:noFill/>
+          <a:extLst>
+            <a:ext uri="{909E8E84-426E-40DD-AFC4-6F175D3DCCD1}">
+              <a14:hiddenFill xmlns:a14="http://schemas.microsoft.com/office/drawing/2010/main">
+                <a:solidFill>
+                  <a:srgbClr val="FFFFFF"/>
+                </a:solidFill>
+              </a14:hiddenFill>
+            </a:ext>
+          </a:extLst>
+        </p:spPr>
+      </p:pic>
     </p:spTree>
     <p:extLst>
       <p:ext uri="{BB962C8B-B14F-4D97-AF65-F5344CB8AC3E}">
-        <p14:creationId xmlns:p14="http://schemas.microsoft.com/office/powerpoint/2010/main" val="1016884672"/>
+        <p14:creationId xmlns:p14="http://schemas.microsoft.com/office/powerpoint/2010/main" val="1924935391"/>
       </p:ext>
     </p:extLst>
   </p:cSld>
@@ -8107,7 +8254,65 @@
 </p:sld>
 </file>
 
-<file path=ppt/slides/slide6.xml><?xml version="1.0" encoding="utf-8"?>
+<file path=ppt/slides/slide4.xml><?xml version="1.0" encoding="utf-8"?>
+<p:sld xmlns:a="http://schemas.openxmlformats.org/drawingml/2006/main" xmlns:r="http://schemas.openxmlformats.org/officeDocument/2006/relationships" xmlns:p="http://schemas.openxmlformats.org/presentationml/2006/main">
+  <p:cSld>
+    <p:spTree>
+      <p:nvGrpSpPr>
+        <p:cNvPr id="1" name=""/>
+        <p:cNvGrpSpPr/>
+        <p:nvPr/>
+      </p:nvGrpSpPr>
+      <p:grpSpPr>
+        <a:xfrm>
+          <a:off x="0" y="0"/>
+          <a:ext cx="0" cy="0"/>
+          <a:chOff x="0" y="0"/>
+          <a:chExt cx="0" cy="0"/>
+        </a:xfrm>
+      </p:grpSpPr>
+      <p:sp>
+        <p:nvSpPr>
+          <p:cNvPr id="2" name="제목 1">
+            <a:extLst>
+              <a:ext uri="{FF2B5EF4-FFF2-40B4-BE49-F238E27FC236}">
+                <a16:creationId xmlns:a16="http://schemas.microsoft.com/office/drawing/2014/main" id="{8481780F-869A-404B-89FC-C605C4282772}"/>
+              </a:ext>
+            </a:extLst>
+          </p:cNvPr>
+          <p:cNvSpPr>
+            <a:spLocks noGrp="1"/>
+          </p:cNvSpPr>
+          <p:nvPr>
+            <p:ph type="title"/>
+          </p:nvPr>
+        </p:nvSpPr>
+        <p:spPr/>
+        <p:txBody>
+          <a:bodyPr/>
+          <a:lstStyle/>
+          <a:p>
+            <a:r>
+              <a:rPr lang="ko-KR" altLang="en-US" b="1" dirty="0"/>
+              <a:t>데이터 출처 및 개요</a:t>
+            </a:r>
+          </a:p>
+        </p:txBody>
+      </p:sp>
+    </p:spTree>
+    <p:extLst>
+      <p:ext uri="{BB962C8B-B14F-4D97-AF65-F5344CB8AC3E}">
+        <p14:creationId xmlns:p14="http://schemas.microsoft.com/office/powerpoint/2010/main" val="4083807513"/>
+      </p:ext>
+    </p:extLst>
+  </p:cSld>
+  <p:clrMapOvr>
+    <a:masterClrMapping/>
+  </p:clrMapOvr>
+</p:sld>
+</file>
+
+<file path=ppt/slides/slide5.xml><?xml version="1.0" encoding="utf-8"?>
 <p:sld xmlns:a="http://schemas.openxmlformats.org/drawingml/2006/main" xmlns:r="http://schemas.openxmlformats.org/officeDocument/2006/relationships" xmlns:p="http://schemas.openxmlformats.org/presentationml/2006/main">
   <p:cSld>
     <p:bg>
@@ -8162,7 +8367,7 @@
           <a:p>
             <a:pPr latinLnBrk="0"/>
             <a:r>
-              <a:rPr lang="en-US" altLang="ko-KR" kern="1200" dirty="0">
+              <a:rPr lang="ko-KR" altLang="en-US" kern="1200" dirty="0">
                 <a:solidFill>
                   <a:schemeClr val="tx1"/>
                 </a:solidFill>
@@ -8170,8 +8375,16 @@
                 <a:ea typeface="+mj-ea"/>
                 <a:cs typeface="+mj-cs"/>
               </a:rPr>
-              <a:t>SQL</a:t>
-            </a:r>
+              <a:t>데이터</a:t>
+            </a:r>
+            <a:endParaRPr lang="en-US" altLang="ko-KR" kern="1200" dirty="0">
+              <a:solidFill>
+                <a:schemeClr val="tx1"/>
+              </a:solidFill>
+              <a:latin typeface="+mj-lt"/>
+              <a:ea typeface="+mj-ea"/>
+              <a:cs typeface="+mj-cs"/>
+            </a:endParaRPr>
           </a:p>
         </p:txBody>
       </p:sp>
@@ -8312,42 +8525,12 @@
           </a:p>
         </p:txBody>
       </p:sp>
-      <p:pic>
-        <p:nvPicPr>
-          <p:cNvPr id="7" name="그림 6">
-            <a:extLst>
-              <a:ext uri="{FF2B5EF4-FFF2-40B4-BE49-F238E27FC236}">
-                <a16:creationId xmlns:a16="http://schemas.microsoft.com/office/drawing/2014/main" id="{E9ADEF47-C927-480A-8ACE-799AEF5AC628}"/>
-              </a:ext>
-            </a:extLst>
-          </p:cNvPr>
-          <p:cNvPicPr>
-            <a:picLocks noChangeAspect="1"/>
-          </p:cNvPicPr>
-          <p:nvPr/>
-        </p:nvPicPr>
-        <p:blipFill>
-          <a:blip r:embed="rId2"/>
-          <a:stretch>
-            <a:fillRect/>
-          </a:stretch>
-        </p:blipFill>
-        <p:spPr>
-          <a:xfrm>
-            <a:off x="648928" y="2088873"/>
-            <a:ext cx="3158487" cy="3939968"/>
-          </a:xfrm>
-          <a:prstGeom prst="rect">
-            <a:avLst/>
-          </a:prstGeom>
-        </p:spPr>
-      </p:pic>
       <p:sp>
         <p:nvSpPr>
-          <p:cNvPr id="8" name="내용 개체 틀 2">
+          <p:cNvPr id="4" name="내용 개체 틀 2">
             <a:extLst>
               <a:ext uri="{FF2B5EF4-FFF2-40B4-BE49-F238E27FC236}">
-                <a16:creationId xmlns:a16="http://schemas.microsoft.com/office/drawing/2014/main" id="{A0DECFEB-B545-4992-BADC-931270713C45}"/>
+                <a16:creationId xmlns:a16="http://schemas.microsoft.com/office/drawing/2014/main" id="{D6A5E1E6-120F-44FA-9579-3FF3BA88F565}"/>
               </a:ext>
             </a:extLst>
           </p:cNvPr>
@@ -8534,27 +8717,53 @@
             </a:lvl9pPr>
           </a:lstStyle>
           <a:p>
-            <a:pPr marL="0" indent="0">
-              <a:buNone/>
+            <a:pPr marL="514350" indent="-514350">
+              <a:buAutoNum type="arabicPeriod"/>
             </a:pPr>
             <a:r>
-              <a:rPr lang="en-US" altLang="ko-KR" sz="3200" b="1" dirty="0"/>
-              <a:t>2. </a:t>
-            </a:r>
-            <a:r>
               <a:rPr lang="ko-KR" altLang="en-US" sz="3200" b="1" dirty="0"/>
-              <a:t>월별 가계대출 총합 추출</a:t>
+              <a:t>서울시 가계대출규모 통계</a:t>
             </a:r>
             <a:endParaRPr lang="en-US" altLang="ko-KR" sz="3200" b="1" dirty="0"/>
           </a:p>
         </p:txBody>
       </p:sp>
+      <p:pic>
+        <p:nvPicPr>
+          <p:cNvPr id="7" name="그림 6">
+            <a:extLst>
+              <a:ext uri="{FF2B5EF4-FFF2-40B4-BE49-F238E27FC236}">
+                <a16:creationId xmlns:a16="http://schemas.microsoft.com/office/drawing/2014/main" id="{CA5DE102-81F8-4091-87FA-7CB1BCDBF8DE}"/>
+              </a:ext>
+            </a:extLst>
+          </p:cNvPr>
+          <p:cNvPicPr>
+            <a:picLocks noChangeAspect="1"/>
+          </p:cNvPicPr>
+          <p:nvPr/>
+        </p:nvPicPr>
+        <p:blipFill>
+          <a:blip r:embed="rId2"/>
+          <a:stretch>
+            <a:fillRect/>
+          </a:stretch>
+        </p:blipFill>
+        <p:spPr>
+          <a:xfrm>
+            <a:off x="648929" y="2405967"/>
+            <a:ext cx="3424229" cy="2526630"/>
+          </a:xfrm>
+          <a:prstGeom prst="rect">
+            <a:avLst/>
+          </a:prstGeom>
+        </p:spPr>
+      </p:pic>
       <p:sp>
         <p:nvSpPr>
-          <p:cNvPr id="9" name="내용 개체 틀 2">
+          <p:cNvPr id="8" name="내용 개체 틀 2">
             <a:extLst>
               <a:ext uri="{FF2B5EF4-FFF2-40B4-BE49-F238E27FC236}">
-                <a16:creationId xmlns:a16="http://schemas.microsoft.com/office/drawing/2014/main" id="{7151CD2F-77C1-4DC9-A5B9-9AB505D4DCE9}"/>
+                <a16:creationId xmlns:a16="http://schemas.microsoft.com/office/drawing/2014/main" id="{0FBAF090-1659-4EF4-8B97-CCE08CB45FE7}"/>
               </a:ext>
             </a:extLst>
           </p:cNvPr>
@@ -8741,152 +8950,130 @@
             </a:lvl9pPr>
           </a:lstStyle>
           <a:p>
-            <a:pPr marL="0" indent="0">
-              <a:buNone/>
-            </a:pPr>
+            <a:r>
+              <a:rPr lang="ko-KR" altLang="en-US" sz="1600" dirty="0"/>
+              <a:t>출처 </a:t>
+            </a:r>
             <a:r>
               <a:rPr lang="en-US" altLang="ko-KR" sz="1600" dirty="0"/>
-              <a:t>SELECT </a:t>
-            </a:r>
-          </a:p>
-          <a:p>
-            <a:pPr marL="0" indent="0">
-              <a:buNone/>
-            </a:pPr>
+              <a:t>: </a:t>
+            </a:r>
+            <a:r>
+              <a:rPr lang="en-US" altLang="ko-KR" sz="1600" dirty="0">
+                <a:hlinkClick r:id="rId3"/>
+              </a:rPr>
+              <a:t>https://data.seoul.go.kr/dataList/10339/S/2/datasetView.do</a:t>
+            </a:r>
+            <a:endParaRPr lang="en-US" altLang="ko-KR" sz="1600" dirty="0"/>
+          </a:p>
+          <a:p>
+            <a:endParaRPr lang="en-US" altLang="ko-KR" sz="1600" dirty="0"/>
+          </a:p>
+          <a:p>
+            <a:r>
+              <a:rPr lang="ko-KR" altLang="en-US" sz="1600" dirty="0"/>
+              <a:t>개요 </a:t>
+            </a:r>
             <a:r>
               <a:rPr lang="en-US" altLang="ko-KR" sz="1600" dirty="0"/>
-              <a:t>REPLACE(SUBSTR(</a:t>
-            </a:r>
+              <a:t>: </a:t>
+            </a:r>
+            <a:r>
+              <a:rPr lang="ko-KR" altLang="en-US" sz="1600" b="0" i="0" dirty="0">
+                <a:solidFill>
+                  <a:srgbClr val="535353"/>
+                </a:solidFill>
+                <a:effectLst/>
+                <a:latin typeface="Noto Sans KR"/>
+              </a:rPr>
+              <a:t>예금취급기관</a:t>
+            </a:r>
+            <a:r>
+              <a:rPr lang="en-US" altLang="ko-KR" sz="1600" b="0" i="0" dirty="0">
+                <a:solidFill>
+                  <a:srgbClr val="535353"/>
+                </a:solidFill>
+                <a:effectLst/>
+                <a:latin typeface="Noto Sans KR"/>
+              </a:rPr>
+              <a:t>, </a:t>
+            </a:r>
+            <a:r>
+              <a:rPr lang="ko-KR" altLang="en-US" sz="1600" b="0" i="0" dirty="0">
+                <a:solidFill>
+                  <a:srgbClr val="535353"/>
+                </a:solidFill>
+                <a:effectLst/>
+                <a:latin typeface="Noto Sans KR"/>
+              </a:rPr>
+              <a:t>비은행예금취급기관의 가계대출</a:t>
+            </a:r>
+            <a:endParaRPr lang="en-US" altLang="ko-KR" sz="1600" b="0" i="0" dirty="0">
+              <a:solidFill>
+                <a:srgbClr val="535353"/>
+              </a:solidFill>
+              <a:effectLst/>
+              <a:latin typeface="Noto Sans KR"/>
+            </a:endParaRPr>
+          </a:p>
+          <a:p>
+            <a:endParaRPr lang="en-US" altLang="ko-KR" sz="1600" dirty="0"/>
+          </a:p>
+          <a:p>
             <a:r>
               <a:rPr lang="ko-KR" altLang="en-US" sz="1600" dirty="0"/>
-              <a:t>기간</a:t>
+              <a:t>주요 특징 </a:t>
             </a:r>
             <a:r>
               <a:rPr lang="en-US" altLang="ko-KR" sz="1600" dirty="0"/>
-              <a:t>,3),'.','/') AS REGDATE, </a:t>
-            </a:r>
-          </a:p>
-          <a:p>
-            <a:pPr marL="0" indent="0">
-              <a:buNone/>
-            </a:pPr>
+              <a:t>: </a:t>
+            </a:r>
+            <a:r>
+              <a:rPr lang="ko-KR" altLang="en-US" sz="1600" dirty="0"/>
+              <a:t>예급취급기관 별 가계 대출 총합의 컬럼은 존재하지 않는다</a:t>
+            </a:r>
             <a:r>
               <a:rPr lang="en-US" altLang="ko-KR" sz="1600" dirty="0"/>
-              <a:t>(</a:t>
+              <a:t>. </a:t>
             </a:r>
             <a:r>
               <a:rPr lang="ko-KR" altLang="en-US" sz="1600" dirty="0"/>
-              <a:t>예금취급기관 </a:t>
+              <a:t>숫자에 쉼표</a:t>
             </a:r>
             <a:r>
               <a:rPr lang="en-US" altLang="ko-KR" sz="1600" dirty="0"/>
-              <a:t>+ </a:t>
+              <a:t>(,) </a:t>
             </a:r>
             <a:r>
               <a:rPr lang="ko-KR" altLang="en-US" sz="1600" dirty="0"/>
-              <a:t>예금은행 </a:t>
+              <a:t>사용이 많아 </a:t>
             </a:r>
             <a:r>
               <a:rPr lang="en-US" altLang="ko-KR" sz="1600" dirty="0"/>
-              <a:t>+ </a:t>
+              <a:t>TXT </a:t>
             </a:r>
             <a:r>
               <a:rPr lang="ko-KR" altLang="en-US" sz="1600" dirty="0"/>
-              <a:t>주택담보대출 </a:t>
+              <a:t>파일로 제공된다</a:t>
             </a:r>
             <a:r>
               <a:rPr lang="en-US" altLang="ko-KR" sz="1600" dirty="0"/>
-              <a:t>+ </a:t>
-            </a:r>
-            <a:r>
-              <a:rPr lang="ko-KR" altLang="en-US" sz="1600" dirty="0"/>
-              <a:t>비은행예금취급기관 </a:t>
-            </a:r>
-            <a:r>
-              <a:rPr lang="en-US" altLang="ko-KR" sz="1600" dirty="0"/>
-              <a:t>+ </a:t>
-            </a:r>
-            <a:r>
-              <a:rPr lang="ko-KR" altLang="en-US" sz="1600" dirty="0"/>
-              <a:t>주택담보대출</a:t>
-            </a:r>
-            <a:r>
-              <a:rPr lang="en-US" altLang="ko-KR" sz="1600" dirty="0"/>
-              <a:t>2 + </a:t>
-            </a:r>
-            <a:r>
-              <a:rPr lang="ko-KR" altLang="en-US" sz="1600" dirty="0"/>
-              <a:t>상호저축은행 </a:t>
-            </a:r>
-            <a:r>
-              <a:rPr lang="en-US" altLang="ko-KR" sz="1600" dirty="0"/>
-              <a:t>+ </a:t>
-            </a:r>
-            <a:r>
-              <a:rPr lang="ko-KR" altLang="en-US" sz="1600" dirty="0"/>
-              <a:t>신용협동조합 </a:t>
-            </a:r>
-            <a:r>
-              <a:rPr lang="en-US" altLang="ko-KR" sz="1600" dirty="0"/>
-              <a:t>+ </a:t>
-            </a:r>
-            <a:r>
-              <a:rPr lang="ko-KR" altLang="en-US" sz="1600" dirty="0"/>
-              <a:t>상호금융 </a:t>
-            </a:r>
-            <a:r>
-              <a:rPr lang="en-US" altLang="ko-KR" sz="1600" dirty="0"/>
-              <a:t>+ </a:t>
-            </a:r>
-            <a:r>
-              <a:rPr lang="ko-KR" altLang="en-US" sz="1600" dirty="0"/>
-              <a:t>새마을금고 </a:t>
-            </a:r>
-            <a:r>
-              <a:rPr lang="en-US" altLang="ko-KR" sz="1600" dirty="0"/>
-              <a:t>+ </a:t>
-            </a:r>
-            <a:r>
-              <a:rPr lang="ko-KR" altLang="en-US" sz="1600" dirty="0"/>
-              <a:t>기타</a:t>
-            </a:r>
-            <a:r>
-              <a:rPr lang="en-US" altLang="ko-KR" sz="1600" dirty="0"/>
-              <a:t>) AS TOTAL_LOAN </a:t>
-            </a:r>
-          </a:p>
-          <a:p>
-            <a:pPr marL="0" indent="0">
-              <a:buNone/>
-            </a:pPr>
-            <a:r>
-              <a:rPr lang="en-US" altLang="ko-KR" sz="1600" dirty="0"/>
-              <a:t>FROM HOUSE_LOAN</a:t>
-            </a:r>
-          </a:p>
-          <a:p>
-            <a:pPr marL="0" indent="0">
-              <a:buNone/>
-            </a:pPr>
-            <a:r>
-              <a:rPr lang="en-US" altLang="ko-KR" sz="1600" dirty="0"/>
-              <a:t> ORDER BY </a:t>
-            </a:r>
-            <a:r>
-              <a:rPr lang="ko-KR" altLang="en-US" sz="1600" dirty="0"/>
-              <a:t>기간</a:t>
-            </a:r>
-            <a:r>
-              <a:rPr lang="en-US" altLang="ko-KR" sz="1600" dirty="0"/>
-              <a:t>;</a:t>
-            </a:r>
+              <a:t>.</a:t>
+            </a:r>
+            <a:endParaRPr lang="ko-KR" altLang="en-US" sz="1600" i="0" dirty="0">
+              <a:solidFill>
+                <a:srgbClr val="000000"/>
+              </a:solidFill>
+              <a:effectLst/>
+              <a:latin typeface="Noto Sans KR"/>
+            </a:endParaRPr>
           </a:p>
         </p:txBody>
       </p:sp>
     </p:spTree>
     <p:extLst>
       <p:ext uri="{BB962C8B-B14F-4D97-AF65-F5344CB8AC3E}">
-        <p14:creationId xmlns:p14="http://schemas.microsoft.com/office/powerpoint/2010/main" val="481879159"/>
+        <p14:creationId xmlns:p14="http://schemas.microsoft.com/office/powerpoint/2010/main" val="3253768258"/>
       </p:ext>
     </p:extLst>
   </p:cSld>
@@ -8896,7 +9083,7 @@
 </p:sld>
 </file>
 
-<file path=ppt/slides/slide7.xml><?xml version="1.0" encoding="utf-8"?>
+<file path=ppt/slides/slide6.xml><?xml version="1.0" encoding="utf-8"?>
 <p:sld xmlns:a="http://schemas.openxmlformats.org/drawingml/2006/main" xmlns:r="http://schemas.openxmlformats.org/officeDocument/2006/relationships" xmlns:p="http://schemas.openxmlformats.org/presentationml/2006/main">
   <p:cSld>
     <p:bg>
@@ -8951,16 +9138,17 @@
           <a:p>
             <a:pPr latinLnBrk="0"/>
             <a:r>
-              <a:rPr lang="en-US" altLang="ko-KR" kern="1200" dirty="0">
-                <a:solidFill>
-                  <a:schemeClr val="tx1"/>
-                </a:solidFill>
-                <a:latin typeface="+mj-lt"/>
-                <a:ea typeface="+mj-ea"/>
-                <a:cs typeface="+mj-cs"/>
-              </a:rPr>
-              <a:t>SQL</a:t>
-            </a:r>
+              <a:rPr lang="ko-KR" altLang="en-US" dirty="0"/>
+              <a:t>데이터</a:t>
+            </a:r>
+            <a:endParaRPr lang="en-US" altLang="ko-KR" kern="1200" dirty="0">
+              <a:solidFill>
+                <a:schemeClr val="tx1"/>
+              </a:solidFill>
+              <a:latin typeface="+mj-lt"/>
+              <a:ea typeface="+mj-ea"/>
+              <a:cs typeface="+mj-cs"/>
+            </a:endParaRPr>
           </a:p>
         </p:txBody>
       </p:sp>
@@ -9103,10 +9291,10 @@
       </p:sp>
       <p:pic>
         <p:nvPicPr>
-          <p:cNvPr id="6" name="그림 5" descr="테이블이(가) 표시된 사진&#10;&#10;자동 생성된 설명">
+          <p:cNvPr id="7" name="그림 6">
             <a:extLst>
               <a:ext uri="{FF2B5EF4-FFF2-40B4-BE49-F238E27FC236}">
-                <a16:creationId xmlns:a16="http://schemas.microsoft.com/office/drawing/2014/main" id="{6363E191-D683-41FF-B056-6C1E178AD797}"/>
+                <a16:creationId xmlns:a16="http://schemas.microsoft.com/office/drawing/2014/main" id="{4F3973CB-CE40-4C1D-8938-D3EE64CB9073}"/>
               </a:ext>
             </a:extLst>
           </p:cNvPr>
@@ -9123,21 +9311,20 @@
         </p:blipFill>
         <p:spPr>
           <a:xfrm>
-            <a:off x="648929" y="2101806"/>
-            <a:ext cx="3761412" cy="3305929"/>
+            <a:off x="686952" y="2374864"/>
+            <a:ext cx="3291789" cy="2231550"/>
           </a:xfrm>
           <a:prstGeom prst="rect">
             <a:avLst/>
           </a:prstGeom>
-          <a:effectLst/>
         </p:spPr>
       </p:pic>
       <p:sp>
         <p:nvSpPr>
-          <p:cNvPr id="7" name="내용 개체 틀 2">
+          <p:cNvPr id="8" name="내용 개체 틀 2">
             <a:extLst>
               <a:ext uri="{FF2B5EF4-FFF2-40B4-BE49-F238E27FC236}">
-                <a16:creationId xmlns:a16="http://schemas.microsoft.com/office/drawing/2014/main" id="{9ED34783-7361-44E1-9112-5FFB57C948A1}"/>
+                <a16:creationId xmlns:a16="http://schemas.microsoft.com/office/drawing/2014/main" id="{07E10EF6-5F6A-413E-B0AB-9118BF2F69E5}"/>
               </a:ext>
             </a:extLst>
           </p:cNvPr>
@@ -9328,23 +9515,71 @@
               <a:buNone/>
             </a:pPr>
             <a:r>
-              <a:rPr lang="en-US" altLang="ko-KR" sz="3200" b="1" dirty="0"/>
-              <a:t>3. JOIN</a:t>
-            </a:r>
-            <a:r>
-              <a:rPr lang="ko-KR" altLang="en-US" sz="3200" b="1" dirty="0"/>
-              <a:t>으로 데이터 결합</a:t>
-            </a:r>
-            <a:endParaRPr lang="en-US" altLang="ko-KR" sz="3200" b="1" dirty="0"/>
+              <a:rPr lang="en-US" altLang="ko-KR" sz="3200" b="1" i="0" dirty="0">
+                <a:solidFill>
+                  <a:srgbClr val="000000"/>
+                </a:solidFill>
+                <a:effectLst/>
+                <a:latin typeface="Noto Sans KR"/>
+              </a:rPr>
+              <a:t>2. </a:t>
+            </a:r>
+            <a:r>
+              <a:rPr lang="ko-KR" altLang="en-US" sz="3200" b="1" i="0" dirty="0">
+                <a:solidFill>
+                  <a:srgbClr val="000000"/>
+                </a:solidFill>
+                <a:effectLst/>
+                <a:latin typeface="Noto Sans KR"/>
+              </a:rPr>
+              <a:t>서울시 코로나</a:t>
+            </a:r>
+            <a:r>
+              <a:rPr lang="en-US" altLang="ko-KR" sz="3200" b="1" i="0" dirty="0">
+                <a:solidFill>
+                  <a:srgbClr val="000000"/>
+                </a:solidFill>
+                <a:effectLst/>
+                <a:latin typeface="Noto Sans KR"/>
+              </a:rPr>
+              <a:t>19 </a:t>
+            </a:r>
+            <a:r>
+              <a:rPr lang="ko-KR" altLang="en-US" sz="3200" b="1" i="0" dirty="0" err="1">
+                <a:solidFill>
+                  <a:srgbClr val="000000"/>
+                </a:solidFill>
+                <a:effectLst/>
+                <a:latin typeface="Noto Sans KR"/>
+              </a:rPr>
+              <a:t>확진자</a:t>
+            </a:r>
+            <a:r>
+              <a:rPr lang="ko-KR" altLang="en-US" sz="3200" b="1" i="0" dirty="0">
+                <a:solidFill>
+                  <a:srgbClr val="000000"/>
+                </a:solidFill>
+                <a:effectLst/>
+                <a:latin typeface="Noto Sans KR"/>
+              </a:rPr>
+              <a:t> 현황</a:t>
+            </a:r>
+            <a:endParaRPr lang="en-US" altLang="ko-KR" sz="3200" b="1" i="0" dirty="0">
+              <a:solidFill>
+                <a:srgbClr val="000000"/>
+              </a:solidFill>
+              <a:effectLst/>
+              <a:latin typeface="Noto Sans KR"/>
+            </a:endParaRPr>
           </a:p>
         </p:txBody>
       </p:sp>
       <p:sp>
         <p:nvSpPr>
-          <p:cNvPr id="8" name="내용 개체 틀 2">
+          <p:cNvPr id="9" name="내용 개체 틀 2">
             <a:extLst>
               <a:ext uri="{FF2B5EF4-FFF2-40B4-BE49-F238E27FC236}">
-                <a16:creationId xmlns:a16="http://schemas.microsoft.com/office/drawing/2014/main" id="{537152BD-94C6-4430-B944-13B7B02B064A}"/>
+                <a16:creationId xmlns:a16="http://schemas.microsoft.com/office/drawing/2014/main" id="{5E9DB40B-C558-474C-BDC5-80FB90378A8C}"/>
               </a:ext>
             </a:extLst>
           </p:cNvPr>
@@ -9531,162 +9766,36 @@
             </a:lvl9pPr>
           </a:lstStyle>
           <a:p>
-            <a:pPr marL="0" indent="0" latinLnBrk="0">
-              <a:buNone/>
-            </a:pPr>
-            <a:r>
-              <a:rPr lang="en-US" altLang="ko-KR" sz="1600" dirty="0"/>
-              <a:t>SELECT C.REGDATE, C.COUNT, H.TOTAL_LOAN</a:t>
-            </a:r>
-          </a:p>
-          <a:p>
-            <a:pPr marL="0" indent="0" latinLnBrk="0">
-              <a:buNone/>
-            </a:pPr>
-            <a:r>
-              <a:rPr lang="en-US" altLang="ko-KR" sz="1600" dirty="0"/>
-              <a:t>FROM (</a:t>
-            </a:r>
-          </a:p>
-          <a:p>
-            <a:pPr marL="457200" lvl="1" indent="0" latinLnBrk="0">
-              <a:buNone/>
-            </a:pPr>
-            <a:r>
-              <a:rPr lang="en-US" altLang="ko-KR" sz="1600" dirty="0"/>
-              <a:t>SELECT COUNT(ID) COUNT, SUBSTR(REGDATE,0,5) AS REGDATE FROM CORONA GROUP BY SUBSTR(REGDATE,0,5) ORDER BY REGDATE</a:t>
-            </a:r>
-          </a:p>
-          <a:p>
-            <a:pPr marL="0" indent="0" latinLnBrk="0">
-              <a:buNone/>
-            </a:pPr>
-            <a:r>
-              <a:rPr lang="en-US" altLang="ko-KR" sz="1600" dirty="0"/>
-              <a:t>) C, (</a:t>
-            </a:r>
-          </a:p>
-          <a:p>
-            <a:pPr marL="457200" lvl="1" indent="0" latinLnBrk="0">
-              <a:buNone/>
-            </a:pPr>
-            <a:r>
-              <a:rPr lang="en-US" altLang="ko-KR" sz="1600" dirty="0"/>
-              <a:t>SELECT REPLACE(SUBSTR(</a:t>
-            </a:r>
-            <a:r>
-              <a:rPr lang="ko-KR" altLang="en-US" sz="1600" dirty="0"/>
-              <a:t>기간</a:t>
-            </a:r>
-            <a:r>
-              <a:rPr lang="en-US" altLang="ko-KR" sz="1600" dirty="0"/>
-              <a:t>,3),'.','/') AS REGDATE, (</a:t>
-            </a:r>
-            <a:r>
-              <a:rPr lang="ko-KR" altLang="en-US" sz="1600" dirty="0"/>
-              <a:t>예금취급기관 </a:t>
-            </a:r>
-            <a:r>
-              <a:rPr lang="en-US" altLang="ko-KR" sz="1600" dirty="0"/>
-              <a:t>+ </a:t>
-            </a:r>
-            <a:r>
-              <a:rPr lang="ko-KR" altLang="en-US" sz="1600" dirty="0"/>
-              <a:t>예금은행 </a:t>
-            </a:r>
-            <a:r>
-              <a:rPr lang="en-US" altLang="ko-KR" sz="1600" dirty="0"/>
-              <a:t>+ </a:t>
-            </a:r>
-            <a:r>
-              <a:rPr lang="ko-KR" altLang="en-US" sz="1600" dirty="0"/>
-              <a:t>주택담보대출 </a:t>
-            </a:r>
-            <a:r>
-              <a:rPr lang="en-US" altLang="ko-KR" sz="1600" dirty="0"/>
-              <a:t>+ </a:t>
-            </a:r>
-            <a:r>
-              <a:rPr lang="ko-KR" altLang="en-US" sz="1600" dirty="0"/>
-              <a:t>비은행예금취급기관</a:t>
-            </a:r>
-            <a:r>
-              <a:rPr lang="en-US" altLang="ko-KR" sz="1600" dirty="0"/>
-              <a:t> + </a:t>
-            </a:r>
-            <a:r>
-              <a:rPr lang="ko-KR" altLang="en-US" sz="1600" dirty="0"/>
-              <a:t>주택담보대출</a:t>
-            </a:r>
-            <a:r>
-              <a:rPr lang="en-US" altLang="ko-KR" sz="1600" dirty="0"/>
-              <a:t>2 + </a:t>
-            </a:r>
-            <a:r>
-              <a:rPr lang="ko-KR" altLang="en-US" sz="1600" dirty="0"/>
-              <a:t>상호저축은행 </a:t>
-            </a:r>
-            <a:r>
-              <a:rPr lang="en-US" altLang="ko-KR" sz="1600" dirty="0"/>
-              <a:t>+ </a:t>
-            </a:r>
-            <a:r>
-              <a:rPr lang="ko-KR" altLang="en-US" sz="1600" dirty="0"/>
-              <a:t>신용협동조합 </a:t>
-            </a:r>
-            <a:r>
-              <a:rPr lang="en-US" altLang="ko-KR" sz="1600" dirty="0"/>
-              <a:t>+ </a:t>
-            </a:r>
-            <a:r>
-              <a:rPr lang="ko-KR" altLang="en-US" sz="1600" dirty="0"/>
-              <a:t>상호금융 </a:t>
-            </a:r>
-            <a:r>
-              <a:rPr lang="en-US" altLang="ko-KR" sz="1600" dirty="0"/>
-              <a:t>+ </a:t>
-            </a:r>
-            <a:r>
-              <a:rPr lang="ko-KR" altLang="en-US" sz="1600" dirty="0"/>
-              <a:t>새마을금고 </a:t>
-            </a:r>
-            <a:r>
-              <a:rPr lang="en-US" altLang="ko-KR" sz="1600" dirty="0"/>
-              <a:t>+ </a:t>
-            </a:r>
-            <a:r>
-              <a:rPr lang="ko-KR" altLang="en-US" sz="1600" dirty="0"/>
-              <a:t>기타</a:t>
-            </a:r>
-            <a:r>
-              <a:rPr lang="en-US" altLang="ko-KR" sz="1600" dirty="0"/>
-              <a:t>) AS TOTAL_LOAN FROM HOUSE_LOAN ORDER BY </a:t>
-            </a:r>
-            <a:r>
-              <a:rPr lang="ko-KR" altLang="en-US" sz="1600" dirty="0"/>
-              <a:t>기간</a:t>
-            </a:r>
-          </a:p>
-          <a:p>
-            <a:pPr marL="0" indent="0" latinLnBrk="0">
-              <a:buNone/>
-            </a:pPr>
-            <a:r>
-              <a:rPr lang="en-US" altLang="ko-KR" sz="1600" dirty="0"/>
-              <a:t>) H</a:t>
-            </a:r>
-          </a:p>
-          <a:p>
-            <a:pPr marL="0" indent="0" latinLnBrk="0">
-              <a:buNone/>
-            </a:pPr>
-            <a:r>
-              <a:rPr lang="en-US" altLang="ko-KR" sz="1600" dirty="0"/>
-              <a:t>WHERE C.REGDATE = H.REGDATE;</a:t>
-            </a:r>
-          </a:p>
-          <a:p>
-            <a:endParaRPr lang="en-US" altLang="ko-KR" sz="2400" i="0" dirty="0">
+            <a:r>
+              <a:rPr lang="ko-KR" altLang="en-US" sz="1600" dirty="0">
+                <a:solidFill>
+                  <a:srgbClr val="000000"/>
+                </a:solidFill>
+                <a:latin typeface="Noto Sans KR"/>
+              </a:rPr>
+              <a:t>출처 </a:t>
+            </a:r>
+            <a:r>
+              <a:rPr lang="en-US" altLang="ko-KR" sz="1600" dirty="0">
+                <a:solidFill>
+                  <a:srgbClr val="000000"/>
+                </a:solidFill>
+                <a:latin typeface="Noto Sans KR"/>
+              </a:rPr>
+              <a:t>: </a:t>
+            </a:r>
+            <a:r>
+              <a:rPr lang="en-US" altLang="ko-KR" sz="1600" i="0" dirty="0">
+                <a:solidFill>
+                  <a:srgbClr val="000000"/>
+                </a:solidFill>
+                <a:effectLst/>
+                <a:latin typeface="Noto Sans KR"/>
+                <a:hlinkClick r:id="rId3"/>
+              </a:rPr>
+              <a:t>http://data.seoul.go.kr/dataList/OA-20279/S/1/datasetView.do</a:t>
+            </a:r>
+            <a:endParaRPr lang="en-US" altLang="ko-KR" sz="1600" i="0" dirty="0">
               <a:solidFill>
                 <a:srgbClr val="000000"/>
               </a:solidFill>
@@ -9694,12 +9803,242 @@
               <a:latin typeface="Noto Sans KR"/>
             </a:endParaRPr>
           </a:p>
+          <a:p>
+            <a:endParaRPr lang="en-US" altLang="ko-KR" sz="1600" i="0" dirty="0">
+              <a:solidFill>
+                <a:srgbClr val="000000"/>
+              </a:solidFill>
+              <a:effectLst/>
+              <a:latin typeface="Noto Sans KR"/>
+            </a:endParaRPr>
+          </a:p>
+          <a:p>
+            <a:r>
+              <a:rPr lang="ko-KR" altLang="en-US" sz="1600" i="0" dirty="0">
+                <a:solidFill>
+                  <a:srgbClr val="000000"/>
+                </a:solidFill>
+                <a:effectLst/>
+                <a:latin typeface="Noto Sans KR"/>
+              </a:rPr>
+              <a:t>개요 </a:t>
+            </a:r>
+            <a:r>
+              <a:rPr lang="en-US" altLang="ko-KR" sz="1600" i="0" dirty="0">
+                <a:solidFill>
+                  <a:srgbClr val="000000"/>
+                </a:solidFill>
+                <a:effectLst/>
+                <a:latin typeface="Noto Sans KR"/>
+              </a:rPr>
+              <a:t>: </a:t>
+            </a:r>
+            <a:r>
+              <a:rPr lang="ko-KR" altLang="en-US" sz="1600" b="0" i="0" dirty="0">
+                <a:solidFill>
+                  <a:srgbClr val="535353"/>
+                </a:solidFill>
+                <a:effectLst/>
+                <a:latin typeface="Noto Sans KR"/>
+              </a:rPr>
+              <a:t>서울시 기준의 코로나</a:t>
+            </a:r>
+            <a:r>
+              <a:rPr lang="en-US" altLang="ko-KR" sz="1600" b="0" i="0" dirty="0">
+                <a:solidFill>
+                  <a:srgbClr val="535353"/>
+                </a:solidFill>
+                <a:effectLst/>
+                <a:latin typeface="Noto Sans KR"/>
+              </a:rPr>
+              <a:t>19 </a:t>
+            </a:r>
+            <a:r>
+              <a:rPr lang="ko-KR" altLang="en-US" sz="1600" b="0" i="0" dirty="0" err="1">
+                <a:solidFill>
+                  <a:srgbClr val="535353"/>
+                </a:solidFill>
+                <a:effectLst/>
+                <a:latin typeface="Noto Sans KR"/>
+              </a:rPr>
+              <a:t>확진자</a:t>
+            </a:r>
+            <a:r>
+              <a:rPr lang="ko-KR" altLang="en-US" sz="1600" b="0" i="0" dirty="0">
+                <a:solidFill>
+                  <a:srgbClr val="535353"/>
+                </a:solidFill>
+                <a:effectLst/>
+                <a:latin typeface="Noto Sans KR"/>
+              </a:rPr>
+              <a:t> 관련 정보 현황</a:t>
+            </a:r>
+            <a:endParaRPr lang="en-US" altLang="ko-KR" sz="1600" b="0" i="0" dirty="0">
+              <a:solidFill>
+                <a:srgbClr val="535353"/>
+              </a:solidFill>
+              <a:effectLst/>
+              <a:latin typeface="Noto Sans KR"/>
+            </a:endParaRPr>
+          </a:p>
+          <a:p>
+            <a:endParaRPr lang="en-US" altLang="ko-KR" sz="1600" i="0" dirty="0">
+              <a:solidFill>
+                <a:srgbClr val="000000"/>
+              </a:solidFill>
+              <a:effectLst/>
+              <a:latin typeface="Noto Sans KR"/>
+            </a:endParaRPr>
+          </a:p>
+          <a:p>
+            <a:r>
+              <a:rPr lang="ko-KR" altLang="en-US" sz="1600" dirty="0">
+                <a:solidFill>
+                  <a:srgbClr val="000000"/>
+                </a:solidFill>
+                <a:latin typeface="Noto Sans KR"/>
+              </a:rPr>
+              <a:t>주요 특징 </a:t>
+            </a:r>
+            <a:r>
+              <a:rPr lang="en-US" altLang="ko-KR" sz="1600" dirty="0">
+                <a:solidFill>
+                  <a:srgbClr val="000000"/>
+                </a:solidFill>
+                <a:latin typeface="Noto Sans KR"/>
+              </a:rPr>
+              <a:t>:  </a:t>
+            </a:r>
+            <a:r>
+              <a:rPr lang="ko-KR" altLang="en-US" sz="1600" dirty="0">
+                <a:solidFill>
+                  <a:srgbClr val="000000"/>
+                </a:solidFill>
+                <a:latin typeface="Noto Sans KR"/>
+              </a:rPr>
+              <a:t>각 컬럼이 </a:t>
+            </a:r>
+            <a:r>
+              <a:rPr lang="ko-KR" altLang="en-US" sz="1600" dirty="0" err="1">
+                <a:solidFill>
+                  <a:srgbClr val="000000"/>
+                </a:solidFill>
+                <a:latin typeface="Noto Sans KR"/>
+              </a:rPr>
+              <a:t>확진자</a:t>
+            </a:r>
+            <a:r>
+              <a:rPr lang="ko-KR" altLang="en-US" sz="1600" dirty="0">
+                <a:solidFill>
+                  <a:srgbClr val="000000"/>
+                </a:solidFill>
+                <a:latin typeface="Noto Sans KR"/>
+              </a:rPr>
+              <a:t> </a:t>
+            </a:r>
+            <a:r>
+              <a:rPr lang="en-US" altLang="ko-KR" sz="1600" dirty="0">
+                <a:solidFill>
+                  <a:srgbClr val="000000"/>
+                </a:solidFill>
+                <a:latin typeface="Noto Sans KR"/>
+              </a:rPr>
+              <a:t>1</a:t>
+            </a:r>
+            <a:r>
+              <a:rPr lang="ko-KR" altLang="en-US" sz="1600" dirty="0">
+                <a:solidFill>
+                  <a:srgbClr val="000000"/>
+                </a:solidFill>
+                <a:latin typeface="Noto Sans KR"/>
+              </a:rPr>
+              <a:t>명이 발생했음을 의미한다</a:t>
+            </a:r>
+            <a:r>
+              <a:rPr lang="en-US" altLang="ko-KR" sz="1600" dirty="0">
+                <a:solidFill>
+                  <a:srgbClr val="000000"/>
+                </a:solidFill>
+                <a:latin typeface="Noto Sans KR"/>
+              </a:rPr>
+              <a:t>.</a:t>
+            </a:r>
+            <a:endParaRPr lang="en-US" altLang="ko-KR" sz="1600" i="0" dirty="0">
+              <a:solidFill>
+                <a:srgbClr val="000000"/>
+              </a:solidFill>
+              <a:effectLst/>
+              <a:latin typeface="Noto Sans KR"/>
+            </a:endParaRPr>
+          </a:p>
         </p:txBody>
       </p:sp>
     </p:spTree>
     <p:extLst>
       <p:ext uri="{BB962C8B-B14F-4D97-AF65-F5344CB8AC3E}">
-        <p14:creationId xmlns:p14="http://schemas.microsoft.com/office/powerpoint/2010/main" val="3109232580"/>
+        <p14:creationId xmlns:p14="http://schemas.microsoft.com/office/powerpoint/2010/main" val="2881698335"/>
+      </p:ext>
+    </p:extLst>
+  </p:cSld>
+  <p:clrMapOvr>
+    <a:masterClrMapping/>
+  </p:clrMapOvr>
+</p:sld>
+</file>
+
+<file path=ppt/slides/slide7.xml><?xml version="1.0" encoding="utf-8"?>
+<p:sld xmlns:a="http://schemas.openxmlformats.org/drawingml/2006/main" xmlns:r="http://schemas.openxmlformats.org/officeDocument/2006/relationships" xmlns:p="http://schemas.openxmlformats.org/presentationml/2006/main">
+  <p:cSld>
+    <p:spTree>
+      <p:nvGrpSpPr>
+        <p:cNvPr id="1" name=""/>
+        <p:cNvGrpSpPr/>
+        <p:nvPr/>
+      </p:nvGrpSpPr>
+      <p:grpSpPr>
+        <a:xfrm>
+          <a:off x="0" y="0"/>
+          <a:ext cx="0" cy="0"/>
+          <a:chOff x="0" y="0"/>
+          <a:chExt cx="0" cy="0"/>
+        </a:xfrm>
+      </p:grpSpPr>
+      <p:sp>
+        <p:nvSpPr>
+          <p:cNvPr id="2" name="제목 1">
+            <a:extLst>
+              <a:ext uri="{FF2B5EF4-FFF2-40B4-BE49-F238E27FC236}">
+                <a16:creationId xmlns:a16="http://schemas.microsoft.com/office/drawing/2014/main" id="{8481780F-869A-404B-89FC-C605C4282772}"/>
+              </a:ext>
+            </a:extLst>
+          </p:cNvPr>
+          <p:cNvSpPr>
+            <a:spLocks noGrp="1"/>
+          </p:cNvSpPr>
+          <p:nvPr>
+            <p:ph type="title"/>
+          </p:nvPr>
+        </p:nvSpPr>
+        <p:spPr/>
+        <p:txBody>
+          <a:bodyPr/>
+          <a:lstStyle/>
+          <a:p>
+            <a:r>
+              <a:rPr lang="en-US" altLang="ko-KR" b="1" dirty="0"/>
+              <a:t>SQL </a:t>
+            </a:r>
+            <a:r>
+              <a:rPr lang="ko-KR" altLang="en-US" b="1" dirty="0"/>
+              <a:t>작성</a:t>
+            </a:r>
+          </a:p>
+        </p:txBody>
+      </p:sp>
+    </p:spTree>
+    <p:extLst>
+      <p:ext uri="{BB962C8B-B14F-4D97-AF65-F5344CB8AC3E}">
+        <p14:creationId xmlns:p14="http://schemas.microsoft.com/office/powerpoint/2010/main" val="4186151500"/>
       </p:ext>
     </p:extLst>
   </p:cSld>
@@ -9753,7 +10092,7 @@
         <p:spPr>
           <a:xfrm>
             <a:off x="648929" y="629266"/>
-            <a:ext cx="3761412" cy="1622321"/>
+            <a:ext cx="3505495" cy="1622321"/>
           </a:xfrm>
         </p:spPr>
         <p:txBody>
@@ -9764,7 +10103,7 @@
           <a:p>
             <a:pPr latinLnBrk="0"/>
             <a:r>
-              <a:rPr lang="ko-KR" altLang="en-US" kern="1200" dirty="0">
+              <a:rPr lang="en-US" altLang="ko-KR" kern="1200" dirty="0">
                 <a:solidFill>
                   <a:schemeClr val="tx1"/>
                 </a:solidFill>
@@ -9772,16 +10111,8 @@
                 <a:ea typeface="+mj-ea"/>
                 <a:cs typeface="+mj-cs"/>
               </a:rPr>
-              <a:t>데이터시각화</a:t>
-            </a:r>
-            <a:endParaRPr lang="en-US" altLang="ko-KR" kern="1200" dirty="0">
-              <a:solidFill>
-                <a:schemeClr val="tx1"/>
-              </a:solidFill>
-              <a:latin typeface="+mj-lt"/>
-              <a:ea typeface="+mj-ea"/>
-              <a:cs typeface="+mj-cs"/>
-            </a:endParaRPr>
+              <a:t>SQL</a:t>
+            </a:r>
           </a:p>
         </p:txBody>
       </p:sp>
@@ -9922,12 +10253,42 @@
           </a:p>
         </p:txBody>
       </p:sp>
+      <p:pic>
+        <p:nvPicPr>
+          <p:cNvPr id="7" name="그림 6">
+            <a:extLst>
+              <a:ext uri="{FF2B5EF4-FFF2-40B4-BE49-F238E27FC236}">
+                <a16:creationId xmlns:a16="http://schemas.microsoft.com/office/drawing/2014/main" id="{7FD081D7-3FDD-4E8E-894D-2BAF2DC1F5EF}"/>
+              </a:ext>
+            </a:extLst>
+          </p:cNvPr>
+          <p:cNvPicPr>
+            <a:picLocks noChangeAspect="1"/>
+          </p:cNvPicPr>
+          <p:nvPr/>
+        </p:nvPicPr>
+        <p:blipFill>
+          <a:blip r:embed="rId2"/>
+          <a:stretch>
+            <a:fillRect/>
+          </a:stretch>
+        </p:blipFill>
+        <p:spPr>
+          <a:xfrm>
+            <a:off x="815439" y="2186163"/>
+            <a:ext cx="2977674" cy="3668372"/>
+          </a:xfrm>
+          <a:prstGeom prst="rect">
+            <a:avLst/>
+          </a:prstGeom>
+        </p:spPr>
+      </p:pic>
       <p:sp>
         <p:nvSpPr>
-          <p:cNvPr id="7" name="내용 개체 틀 2">
+          <p:cNvPr id="8" name="내용 개체 틀 2">
             <a:extLst>
               <a:ext uri="{FF2B5EF4-FFF2-40B4-BE49-F238E27FC236}">
-                <a16:creationId xmlns:a16="http://schemas.microsoft.com/office/drawing/2014/main" id="{9ED34783-7361-44E1-9112-5FFB57C948A1}"/>
+                <a16:creationId xmlns:a16="http://schemas.microsoft.com/office/drawing/2014/main" id="{336DD08B-6D8B-44BD-9C00-6B60231B17D5}"/>
               </a:ext>
             </a:extLst>
           </p:cNvPr>
@@ -10114,22 +10475,26 @@
             </a:lvl9pPr>
           </a:lstStyle>
           <a:p>
-            <a:pPr marL="0" indent="0">
+            <a:pPr marL="0" indent="0" latinLnBrk="0">
               <a:buNone/>
             </a:pPr>
             <a:r>
+              <a:rPr lang="en-US" altLang="ko-KR" sz="3000" b="1" dirty="0"/>
+              <a:t>1. </a:t>
+            </a:r>
+            <a:r>
               <a:rPr lang="ko-KR" altLang="en-US" sz="3200" b="1" dirty="0"/>
-              <a:t>코로나</a:t>
-            </a:r>
-            <a:r>
-              <a:rPr lang="en-US" altLang="ko-KR" sz="3200" b="1" dirty="0"/>
-              <a:t>-</a:t>
+              <a:t>월별 코로나 </a:t>
+            </a:r>
+            <a:r>
+              <a:rPr lang="ko-KR" altLang="en-US" sz="3200" b="1" dirty="0" err="1"/>
+              <a:t>확진자</a:t>
             </a:r>
             <a:r>
               <a:rPr lang="ko-KR" altLang="en-US" sz="3200" b="1" dirty="0"/>
-              <a:t>가계대출 추이와 예측</a:t>
-            </a:r>
-            <a:endParaRPr lang="en-US" altLang="ko-KR" sz="3200" b="1" dirty="0"/>
+              <a:t> 수 추출</a:t>
+            </a:r>
+            <a:endParaRPr lang="en-US" altLang="ko-KR" sz="3000" b="1" dirty="0"/>
           </a:p>
         </p:txBody>
       </p:sp>
@@ -10138,7 +10503,7 @@
           <p:cNvPr id="9" name="내용 개체 틀 2">
             <a:extLst>
               <a:ext uri="{FF2B5EF4-FFF2-40B4-BE49-F238E27FC236}">
-                <a16:creationId xmlns:a16="http://schemas.microsoft.com/office/drawing/2014/main" id="{23D93A44-4AB7-48C2-AEB6-45ECEFCD5BB1}"/>
+                <a16:creationId xmlns:a16="http://schemas.microsoft.com/office/drawing/2014/main" id="{D801AF01-563E-4A34-9701-06CAA8A6B319}"/>
               </a:ext>
             </a:extLst>
           </p:cNvPr>
@@ -10149,15 +10514,15 @@
         </p:nvSpPr>
         <p:spPr>
           <a:xfrm>
-            <a:off x="648929" y="3146961"/>
-            <a:ext cx="3222171" cy="2410691"/>
+            <a:off x="5565667" y="1674422"/>
+            <a:ext cx="5810894" cy="4261260"/>
           </a:xfrm>
           <a:prstGeom prst="rect">
             <a:avLst/>
           </a:prstGeom>
         </p:spPr>
         <p:txBody>
-          <a:bodyPr vert="horz" lIns="91440" tIns="45720" rIns="91440" bIns="45720" rtlCol="0">
+          <a:bodyPr vert="horz" lIns="91440" tIns="45720" rIns="91440" bIns="45720" rtlCol="0" anchor="ctr">
             <a:normAutofit/>
           </a:bodyPr>
           <a:lstStyle>
@@ -10325,85 +10690,56 @@
             </a:lvl9pPr>
           </a:lstStyle>
           <a:p>
-            <a:r>
-              <a:rPr lang="ko-KR" altLang="en-US" sz="2400" i="0" dirty="0">
-                <a:solidFill>
-                  <a:srgbClr val="000000"/>
-                </a:solidFill>
-                <a:effectLst/>
-                <a:latin typeface="Noto Sans KR"/>
-              </a:rPr>
-              <a:t>시각화 툴 </a:t>
-            </a:r>
-            <a:r>
-              <a:rPr lang="en-US" altLang="ko-KR" sz="2400" i="0" dirty="0">
-                <a:solidFill>
-                  <a:srgbClr val="000000"/>
-                </a:solidFill>
-                <a:effectLst/>
-                <a:latin typeface="Noto Sans KR"/>
-              </a:rPr>
-              <a:t>: EXCEL</a:t>
-            </a:r>
-          </a:p>
-          <a:p>
-            <a:r>
-              <a:rPr lang="ko-KR" altLang="en-US" sz="2400" i="0" dirty="0">
-                <a:solidFill>
-                  <a:srgbClr val="000000"/>
-                </a:solidFill>
-                <a:effectLst/>
-                <a:latin typeface="Noto Sans KR"/>
-              </a:rPr>
-              <a:t>데이터 연결 </a:t>
-            </a:r>
-            <a:r>
-              <a:rPr lang="en-US" altLang="ko-KR" sz="2400" i="0" dirty="0">
-                <a:solidFill>
-                  <a:srgbClr val="000000"/>
-                </a:solidFill>
-                <a:effectLst/>
-                <a:latin typeface="Noto Sans KR"/>
-              </a:rPr>
-              <a:t>: ODBC</a:t>
+            <a:pPr marL="0" indent="0">
+              <a:buNone/>
+            </a:pPr>
+            <a:r>
+              <a:rPr lang="en-US" altLang="ko-KR" sz="1600" dirty="0"/>
+              <a:t>SELECT </a:t>
+            </a:r>
+          </a:p>
+          <a:p>
+            <a:pPr marL="0" indent="0">
+              <a:buNone/>
+            </a:pPr>
+            <a:r>
+              <a:rPr lang="en-US" altLang="ko-KR" sz="1600" dirty="0"/>
+              <a:t>SUBSTR(REGDATE,0,5) AS REGDATE, COUNT(ID) COUNT </a:t>
+            </a:r>
+          </a:p>
+          <a:p>
+            <a:pPr marL="0" indent="0">
+              <a:buNone/>
+            </a:pPr>
+            <a:r>
+              <a:rPr lang="en-US" altLang="ko-KR" sz="1600" dirty="0"/>
+              <a:t>FROM CORONA </a:t>
+            </a:r>
+          </a:p>
+          <a:p>
+            <a:pPr marL="0" indent="0">
+              <a:buNone/>
+            </a:pPr>
+            <a:r>
+              <a:rPr lang="en-US" altLang="ko-KR" sz="1600" dirty="0"/>
+              <a:t>GROUP BY SUBSTR(REGDATE,0,5) </a:t>
+            </a:r>
+          </a:p>
+          <a:p>
+            <a:pPr marL="0" indent="0">
+              <a:buNone/>
+            </a:pPr>
+            <a:r>
+              <a:rPr lang="en-US" altLang="ko-KR" sz="1600" dirty="0"/>
+              <a:t>ORDER BY REGDATE;</a:t>
             </a:r>
           </a:p>
         </p:txBody>
       </p:sp>
-      <p:graphicFrame>
-        <p:nvGraphicFramePr>
-          <p:cNvPr id="10" name="차트 9">
-            <a:extLst>
-              <a:ext uri="{FF2B5EF4-FFF2-40B4-BE49-F238E27FC236}">
-                <a16:creationId xmlns:a16="http://schemas.microsoft.com/office/drawing/2014/main" id="{BD4BCD63-AC68-4540-8C6B-0A4E2E7BFD06}"/>
-              </a:ext>
-            </a:extLst>
-          </p:cNvPr>
-          <p:cNvGraphicFramePr>
-            <a:graphicFrameLocks/>
-          </p:cNvGraphicFramePr>
-          <p:nvPr>
-            <p:extLst>
-              <p:ext uri="{D42A27DB-BD31-4B8C-83A1-F6EECF244321}">
-                <p14:modId xmlns:p14="http://schemas.microsoft.com/office/powerpoint/2010/main" val="3278780001"/>
-              </p:ext>
-            </p:extLst>
-          </p:nvPr>
-        </p:nvGraphicFramePr>
-        <p:xfrm>
-          <a:off x="5203802" y="1611898"/>
-          <a:ext cx="6423452" cy="4581340"/>
-        </p:xfrm>
-        <a:graphic>
-          <a:graphicData uri="http://schemas.openxmlformats.org/drawingml/2006/chart">
-            <c:chart xmlns:c="http://schemas.openxmlformats.org/drawingml/2006/chart" xmlns:r="http://schemas.openxmlformats.org/officeDocument/2006/relationships" r:id="rId2"/>
-          </a:graphicData>
-        </a:graphic>
-      </p:graphicFrame>
     </p:spTree>
     <p:extLst>
       <p:ext uri="{BB962C8B-B14F-4D97-AF65-F5344CB8AC3E}">
-        <p14:creationId xmlns:p14="http://schemas.microsoft.com/office/powerpoint/2010/main" val="3645710804"/>
+        <p14:creationId xmlns:p14="http://schemas.microsoft.com/office/powerpoint/2010/main" val="1016884672"/>
       </p:ext>
     </p:extLst>
   </p:cSld>
@@ -10457,7 +10793,7 @@
         <p:spPr>
           <a:xfrm>
             <a:off x="648929" y="629266"/>
-            <a:ext cx="3761412" cy="1622321"/>
+            <a:ext cx="3505495" cy="1622321"/>
           </a:xfrm>
         </p:spPr>
         <p:txBody>
@@ -10476,7 +10812,7 @@
                 <a:ea typeface="+mj-ea"/>
                 <a:cs typeface="+mj-cs"/>
               </a:rPr>
-              <a:t>INSIGHT</a:t>
+              <a:t>SQL</a:t>
             </a:r>
           </a:p>
         </p:txBody>
@@ -10618,12 +10954,42 @@
           </a:p>
         </p:txBody>
       </p:sp>
+      <p:pic>
+        <p:nvPicPr>
+          <p:cNvPr id="7" name="그림 6">
+            <a:extLst>
+              <a:ext uri="{FF2B5EF4-FFF2-40B4-BE49-F238E27FC236}">
+                <a16:creationId xmlns:a16="http://schemas.microsoft.com/office/drawing/2014/main" id="{E9ADEF47-C927-480A-8ACE-799AEF5AC628}"/>
+              </a:ext>
+            </a:extLst>
+          </p:cNvPr>
+          <p:cNvPicPr>
+            <a:picLocks noChangeAspect="1"/>
+          </p:cNvPicPr>
+          <p:nvPr/>
+        </p:nvPicPr>
+        <p:blipFill>
+          <a:blip r:embed="rId2"/>
+          <a:stretch>
+            <a:fillRect/>
+          </a:stretch>
+        </p:blipFill>
+        <p:spPr>
+          <a:xfrm>
+            <a:off x="648928" y="2088873"/>
+            <a:ext cx="3158487" cy="3939968"/>
+          </a:xfrm>
+          <a:prstGeom prst="rect">
+            <a:avLst/>
+          </a:prstGeom>
+        </p:spPr>
+      </p:pic>
       <p:sp>
         <p:nvSpPr>
-          <p:cNvPr id="7" name="내용 개체 틀 2">
+          <p:cNvPr id="8" name="내용 개체 틀 2">
             <a:extLst>
               <a:ext uri="{FF2B5EF4-FFF2-40B4-BE49-F238E27FC236}">
-                <a16:creationId xmlns:a16="http://schemas.microsoft.com/office/drawing/2014/main" id="{9ED34783-7361-44E1-9112-5FFB57C948A1}"/>
+                <a16:creationId xmlns:a16="http://schemas.microsoft.com/office/drawing/2014/main" id="{A0DECFEB-B545-4992-BADC-931270713C45}"/>
               </a:ext>
             </a:extLst>
           </p:cNvPr>
@@ -10814,16 +11180,12 @@
               <a:buNone/>
             </a:pPr>
             <a:r>
+              <a:rPr lang="en-US" altLang="ko-KR" sz="3200" b="1" dirty="0"/>
+              <a:t>2. </a:t>
+            </a:r>
+            <a:r>
               <a:rPr lang="ko-KR" altLang="en-US" sz="3200" b="1" dirty="0"/>
-              <a:t>코로나</a:t>
-            </a:r>
-            <a:r>
-              <a:rPr lang="en-US" altLang="ko-KR" sz="3200" b="1" dirty="0"/>
-              <a:t>,</a:t>
-            </a:r>
-            <a:r>
-              <a:rPr lang="ko-KR" altLang="en-US" sz="3200" b="1" dirty="0"/>
-              <a:t> 대출로 버티는 가계</a:t>
+              <a:t>월별 가계대출 총합 추출</a:t>
             </a:r>
             <a:endParaRPr lang="en-US" altLang="ko-KR" sz="3200" b="1" dirty="0"/>
           </a:p>
@@ -10831,10 +11193,10 @@
       </p:sp>
       <p:sp>
         <p:nvSpPr>
-          <p:cNvPr id="8" name="내용 개체 틀 2">
+          <p:cNvPr id="9" name="내용 개체 틀 2">
             <a:extLst>
               <a:ext uri="{FF2B5EF4-FFF2-40B4-BE49-F238E27FC236}">
-                <a16:creationId xmlns:a16="http://schemas.microsoft.com/office/drawing/2014/main" id="{537152BD-94C6-4430-B944-13B7B02B064A}"/>
+                <a16:creationId xmlns:a16="http://schemas.microsoft.com/office/drawing/2014/main" id="{7151CD2F-77C1-4DC9-A5B9-9AB505D4DCE9}"/>
               </a:ext>
             </a:extLst>
           </p:cNvPr>
@@ -11021,242 +11383,152 @@
             </a:lvl9pPr>
           </a:lstStyle>
           <a:p>
-            <a:pPr latinLnBrk="0"/>
-            <a:r>
-              <a:rPr lang="ko-KR" altLang="en-US" sz="1600" b="0" i="0" dirty="0">
-                <a:solidFill>
-                  <a:srgbClr val="333333"/>
-                </a:solidFill>
-                <a:effectLst/>
-                <a:latin typeface="맑은 고딕" panose="020B0503020000020004" pitchFamily="50" charset="-127"/>
-                <a:ea typeface="맑은 고딕" panose="020B0503020000020004" pitchFamily="50" charset="-127"/>
-              </a:rPr>
-              <a:t>코로나</a:t>
-            </a:r>
-            <a:r>
-              <a:rPr lang="en-US" altLang="ko-KR" sz="1600" b="0" i="0" dirty="0">
-                <a:solidFill>
-                  <a:srgbClr val="333333"/>
-                </a:solidFill>
-                <a:effectLst/>
-                <a:latin typeface="맑은 고딕" panose="020B0503020000020004" pitchFamily="50" charset="-127"/>
-                <a:ea typeface="맑은 고딕" panose="020B0503020000020004" pitchFamily="50" charset="-127"/>
-              </a:rPr>
-              <a:t>19 </a:t>
-            </a:r>
-            <a:r>
-              <a:rPr lang="ko-KR" altLang="en-US" sz="1600" dirty="0">
-                <a:solidFill>
-                  <a:srgbClr val="333333"/>
-                </a:solidFill>
-                <a:latin typeface="맑은 고딕" panose="020B0503020000020004" pitchFamily="50" charset="-127"/>
-                <a:ea typeface="맑은 고딕" panose="020B0503020000020004" pitchFamily="50" charset="-127"/>
-              </a:rPr>
-              <a:t>가 심화됨에 따라</a:t>
-            </a:r>
-            <a:r>
-              <a:rPr lang="ko-KR" altLang="en-US" sz="1600" b="0" i="0" dirty="0">
-                <a:solidFill>
-                  <a:srgbClr val="333333"/>
-                </a:solidFill>
-                <a:effectLst/>
-                <a:latin typeface="맑은 고딕" panose="020B0503020000020004" pitchFamily="50" charset="-127"/>
-                <a:ea typeface="맑은 고딕" panose="020B0503020000020004" pitchFamily="50" charset="-127"/>
-              </a:rPr>
-              <a:t> 인해 가계가 소득 감소 등의</a:t>
-            </a:r>
-            <a:r>
-              <a:rPr lang="en-US" altLang="ko-KR" sz="1600" b="0" i="0" dirty="0">
-                <a:solidFill>
-                  <a:srgbClr val="333333"/>
-                </a:solidFill>
-                <a:effectLst/>
-                <a:latin typeface="맑은 고딕" panose="020B0503020000020004" pitchFamily="50" charset="-127"/>
-                <a:ea typeface="맑은 고딕" panose="020B0503020000020004" pitchFamily="50" charset="-127"/>
-              </a:rPr>
-              <a:t> </a:t>
-            </a:r>
-            <a:r>
-              <a:rPr lang="ko-KR" altLang="en-US" sz="1600" b="0" i="0" dirty="0">
-                <a:solidFill>
-                  <a:srgbClr val="333333"/>
-                </a:solidFill>
-                <a:effectLst/>
-                <a:latin typeface="맑은 고딕" panose="020B0503020000020004" pitchFamily="50" charset="-127"/>
-                <a:ea typeface="맑은 고딕" panose="020B0503020000020004" pitchFamily="50" charset="-127"/>
-              </a:rPr>
-              <a:t>직격탄을 맞아 가계대출 증가로 이어진 것으로 보인다</a:t>
-            </a:r>
-            <a:endParaRPr lang="en-US" altLang="ko-KR" sz="1600" b="0" i="0" dirty="0">
-              <a:solidFill>
-                <a:srgbClr val="333333"/>
-              </a:solidFill>
-              <a:effectLst/>
-              <a:latin typeface="맑은 고딕" panose="020B0503020000020004" pitchFamily="50" charset="-127"/>
-              <a:ea typeface="맑은 고딕" panose="020B0503020000020004" pitchFamily="50" charset="-127"/>
-            </a:endParaRPr>
-          </a:p>
-          <a:p>
-            <a:pPr marL="0" indent="0" latinLnBrk="0">
+            <a:pPr marL="0" indent="0">
               <a:buNone/>
             </a:pPr>
-            <a:endParaRPr lang="en-US" altLang="ko-KR" sz="1600" dirty="0">
-              <a:solidFill>
-                <a:srgbClr val="333333"/>
-              </a:solidFill>
-              <a:latin typeface="맑은 고딕" panose="020B0503020000020004" pitchFamily="50" charset="-127"/>
-              <a:ea typeface="맑은 고딕" panose="020B0503020000020004" pitchFamily="50" charset="-127"/>
-            </a:endParaRPr>
-          </a:p>
-          <a:p>
-            <a:pPr latinLnBrk="0"/>
-            <a:r>
-              <a:rPr lang="ko-KR" altLang="en-US" sz="1600" b="0" i="0" dirty="0">
-                <a:solidFill>
-                  <a:srgbClr val="333333"/>
-                </a:solidFill>
-                <a:effectLst/>
-                <a:latin typeface="맑은 고딕" panose="020B0503020000020004" pitchFamily="50" charset="-127"/>
-                <a:ea typeface="맑은 고딕" panose="020B0503020000020004" pitchFamily="50" charset="-127"/>
-              </a:rPr>
-              <a:t>코로나</a:t>
-            </a:r>
-            <a:r>
-              <a:rPr lang="en-US" altLang="ko-KR" sz="1600" b="0" i="0" dirty="0">
-                <a:solidFill>
-                  <a:srgbClr val="333333"/>
-                </a:solidFill>
-                <a:effectLst/>
-                <a:latin typeface="맑은 고딕" panose="020B0503020000020004" pitchFamily="50" charset="-127"/>
-                <a:ea typeface="맑은 고딕" panose="020B0503020000020004" pitchFamily="50" charset="-127"/>
-              </a:rPr>
-              <a:t>19 </a:t>
-            </a:r>
-            <a:r>
-              <a:rPr lang="ko-KR" altLang="en-US" sz="1600" b="0" i="0" dirty="0" err="1">
-                <a:solidFill>
-                  <a:srgbClr val="333333"/>
-                </a:solidFill>
-                <a:effectLst/>
-                <a:latin typeface="맑은 고딕" panose="020B0503020000020004" pitchFamily="50" charset="-127"/>
-                <a:ea typeface="맑은 고딕" panose="020B0503020000020004" pitchFamily="50" charset="-127"/>
-              </a:rPr>
-              <a:t>확진자는</a:t>
-            </a:r>
-            <a:r>
-              <a:rPr lang="ko-KR" altLang="en-US" sz="1600" b="0" i="0" dirty="0">
-                <a:solidFill>
-                  <a:srgbClr val="333333"/>
-                </a:solidFill>
-                <a:effectLst/>
-                <a:latin typeface="맑은 고딕" panose="020B0503020000020004" pitchFamily="50" charset="-127"/>
-                <a:ea typeface="맑은 고딕" panose="020B0503020000020004" pitchFamily="50" charset="-127"/>
-              </a:rPr>
-              <a:t> 지속적으로 증가하는 추세로</a:t>
-            </a:r>
-            <a:r>
-              <a:rPr lang="en-US" altLang="ko-KR" sz="1600" b="0" i="0" dirty="0">
-                <a:solidFill>
-                  <a:srgbClr val="333333"/>
-                </a:solidFill>
-                <a:effectLst/>
-                <a:latin typeface="맑은 고딕" panose="020B0503020000020004" pitchFamily="50" charset="-127"/>
-                <a:ea typeface="맑은 고딕" panose="020B0503020000020004" pitchFamily="50" charset="-127"/>
-              </a:rPr>
-              <a:t>, </a:t>
-            </a:r>
-            <a:r>
-              <a:rPr lang="ko-KR" altLang="en-US" sz="1600" b="0" i="0" dirty="0">
-                <a:solidFill>
-                  <a:srgbClr val="333333"/>
-                </a:solidFill>
-                <a:effectLst/>
-                <a:latin typeface="맑은 고딕" panose="020B0503020000020004" pitchFamily="50" charset="-127"/>
-                <a:ea typeface="맑은 고딕" panose="020B0503020000020004" pitchFamily="50" charset="-127"/>
-              </a:rPr>
-              <a:t>경기 악화로 인해 향후에도 가계가 대출을 대폭 늘릴 것으로 </a:t>
-            </a:r>
-            <a:r>
-              <a:rPr lang="ko-KR" altLang="en-US" sz="1600" dirty="0">
-                <a:solidFill>
-                  <a:srgbClr val="333333"/>
-                </a:solidFill>
-                <a:latin typeface="맑은 고딕" panose="020B0503020000020004" pitchFamily="50" charset="-127"/>
-                <a:ea typeface="맑은 고딕" panose="020B0503020000020004" pitchFamily="50" charset="-127"/>
-              </a:rPr>
-              <a:t>예측된다</a:t>
-            </a:r>
-            <a:r>
-              <a:rPr lang="en-US" altLang="ko-KR" sz="1600" dirty="0">
-                <a:solidFill>
-                  <a:srgbClr val="333333"/>
-                </a:solidFill>
-                <a:latin typeface="맑은 고딕" panose="020B0503020000020004" pitchFamily="50" charset="-127"/>
-                <a:ea typeface="맑은 고딕" panose="020B0503020000020004" pitchFamily="50" charset="-127"/>
-              </a:rPr>
-              <a:t>.</a:t>
-            </a:r>
-            <a:endParaRPr lang="en-US" altLang="ko-KR" sz="1600" i="0" dirty="0">
-              <a:solidFill>
-                <a:srgbClr val="000000"/>
-              </a:solidFill>
-              <a:effectLst/>
-              <a:latin typeface="Noto Sans KR"/>
-            </a:endParaRPr>
+            <a:r>
+              <a:rPr lang="en-US" altLang="ko-KR" sz="1600" dirty="0"/>
+              <a:t>SELECT </a:t>
+            </a:r>
+          </a:p>
+          <a:p>
+            <a:pPr marL="0" indent="0">
+              <a:buNone/>
+            </a:pPr>
+            <a:r>
+              <a:rPr lang="en-US" altLang="ko-KR" sz="1600" dirty="0"/>
+              <a:t>REPLACE(SUBSTR(</a:t>
+            </a:r>
+            <a:r>
+              <a:rPr lang="ko-KR" altLang="en-US" sz="1600" dirty="0"/>
+              <a:t>기간</a:t>
+            </a:r>
+            <a:r>
+              <a:rPr lang="en-US" altLang="ko-KR" sz="1600" dirty="0"/>
+              <a:t>,3),'.','/') AS REGDATE, </a:t>
+            </a:r>
+          </a:p>
+          <a:p>
+            <a:pPr marL="0" indent="0">
+              <a:buNone/>
+            </a:pPr>
+            <a:r>
+              <a:rPr lang="en-US" altLang="ko-KR" sz="1600" dirty="0"/>
+              <a:t>(</a:t>
+            </a:r>
+            <a:r>
+              <a:rPr lang="ko-KR" altLang="en-US" sz="1600" dirty="0"/>
+              <a:t>예금취급기관 </a:t>
+            </a:r>
+            <a:r>
+              <a:rPr lang="en-US" altLang="ko-KR" sz="1600" dirty="0"/>
+              <a:t>+ </a:t>
+            </a:r>
+            <a:r>
+              <a:rPr lang="ko-KR" altLang="en-US" sz="1600" dirty="0"/>
+              <a:t>예금은행 </a:t>
+            </a:r>
+            <a:r>
+              <a:rPr lang="en-US" altLang="ko-KR" sz="1600" dirty="0"/>
+              <a:t>+ </a:t>
+            </a:r>
+            <a:r>
+              <a:rPr lang="ko-KR" altLang="en-US" sz="1600" dirty="0"/>
+              <a:t>주택담보대출 </a:t>
+            </a:r>
+            <a:r>
+              <a:rPr lang="en-US" altLang="ko-KR" sz="1600" dirty="0"/>
+              <a:t>+ </a:t>
+            </a:r>
+            <a:r>
+              <a:rPr lang="ko-KR" altLang="en-US" sz="1600" dirty="0"/>
+              <a:t>비은행예금취급기관 </a:t>
+            </a:r>
+            <a:r>
+              <a:rPr lang="en-US" altLang="ko-KR" sz="1600" dirty="0"/>
+              <a:t>+ </a:t>
+            </a:r>
+            <a:r>
+              <a:rPr lang="ko-KR" altLang="en-US" sz="1600" dirty="0"/>
+              <a:t>주택담보대출</a:t>
+            </a:r>
+            <a:r>
+              <a:rPr lang="en-US" altLang="ko-KR" sz="1600" dirty="0"/>
+              <a:t>2 + </a:t>
+            </a:r>
+            <a:r>
+              <a:rPr lang="ko-KR" altLang="en-US" sz="1600" dirty="0"/>
+              <a:t>상호저축은행 </a:t>
+            </a:r>
+            <a:r>
+              <a:rPr lang="en-US" altLang="ko-KR" sz="1600" dirty="0"/>
+              <a:t>+ </a:t>
+            </a:r>
+            <a:r>
+              <a:rPr lang="ko-KR" altLang="en-US" sz="1600" dirty="0"/>
+              <a:t>신용협동조합 </a:t>
+            </a:r>
+            <a:r>
+              <a:rPr lang="en-US" altLang="ko-KR" sz="1600" dirty="0"/>
+              <a:t>+ </a:t>
+            </a:r>
+            <a:r>
+              <a:rPr lang="ko-KR" altLang="en-US" sz="1600" dirty="0"/>
+              <a:t>상호금융 </a:t>
+            </a:r>
+            <a:r>
+              <a:rPr lang="en-US" altLang="ko-KR" sz="1600" dirty="0"/>
+              <a:t>+ </a:t>
+            </a:r>
+            <a:r>
+              <a:rPr lang="ko-KR" altLang="en-US" sz="1600" dirty="0"/>
+              <a:t>새마을금고 </a:t>
+            </a:r>
+            <a:r>
+              <a:rPr lang="en-US" altLang="ko-KR" sz="1600" dirty="0"/>
+              <a:t>+ </a:t>
+            </a:r>
+            <a:r>
+              <a:rPr lang="ko-KR" altLang="en-US" sz="1600" dirty="0"/>
+              <a:t>기타</a:t>
+            </a:r>
+            <a:r>
+              <a:rPr lang="en-US" altLang="ko-KR" sz="1600" dirty="0"/>
+              <a:t>) AS TOTAL_LOAN </a:t>
+            </a:r>
+          </a:p>
+          <a:p>
+            <a:pPr marL="0" indent="0">
+              <a:buNone/>
+            </a:pPr>
+            <a:r>
+              <a:rPr lang="en-US" altLang="ko-KR" sz="1600" dirty="0"/>
+              <a:t>FROM HOUSE_LOAN</a:t>
+            </a:r>
+          </a:p>
+          <a:p>
+            <a:pPr marL="0" indent="0">
+              <a:buNone/>
+            </a:pPr>
+            <a:r>
+              <a:rPr lang="en-US" altLang="ko-KR" sz="1600" dirty="0"/>
+              <a:t> ORDER BY </a:t>
+            </a:r>
+            <a:r>
+              <a:rPr lang="ko-KR" altLang="en-US" sz="1600" dirty="0"/>
+              <a:t>기간</a:t>
+            </a:r>
+            <a:r>
+              <a:rPr lang="en-US" altLang="ko-KR" sz="1600" dirty="0"/>
+              <a:t>;</a:t>
+            </a:r>
           </a:p>
         </p:txBody>
       </p:sp>
-      <p:pic>
-        <p:nvPicPr>
-          <p:cNvPr id="1026" name="Picture 2" descr="웹툰 - 홍보자료 - 알림마당 - 금융위원회">
-            <a:extLst>
-              <a:ext uri="{FF2B5EF4-FFF2-40B4-BE49-F238E27FC236}">
-                <a16:creationId xmlns:a16="http://schemas.microsoft.com/office/drawing/2014/main" id="{4CD6C616-2827-4BF6-AE89-7F45B7668CB0}"/>
-              </a:ext>
-            </a:extLst>
-          </p:cNvPr>
-          <p:cNvPicPr>
-            <a:picLocks noChangeAspect="1" noChangeArrowheads="1"/>
-          </p:cNvPicPr>
-          <p:nvPr/>
-        </p:nvPicPr>
-        <p:blipFill>
-          <a:blip r:embed="rId2">
-            <a:extLst>
-              <a:ext uri="{28A0092B-C50C-407E-A947-70E740481C1C}">
-                <a14:useLocalDpi xmlns:a14="http://schemas.microsoft.com/office/drawing/2010/main" val="0"/>
-              </a:ext>
-            </a:extLst>
-          </a:blip>
-          <a:srcRect/>
-          <a:stretch>
-            <a:fillRect/>
-          </a:stretch>
-        </p:blipFill>
-        <p:spPr bwMode="auto">
-          <a:xfrm>
-            <a:off x="484214" y="2095520"/>
-            <a:ext cx="3781586" cy="3781586"/>
-          </a:xfrm>
-          <a:prstGeom prst="rect">
-            <a:avLst/>
-          </a:prstGeom>
-          <a:noFill/>
-          <a:extLst>
-            <a:ext uri="{909E8E84-426E-40DD-AFC4-6F175D3DCCD1}">
-              <a14:hiddenFill xmlns:a14="http://schemas.microsoft.com/office/drawing/2010/main">
-                <a:solidFill>
-                  <a:srgbClr val="FFFFFF"/>
-                </a:solidFill>
-              </a14:hiddenFill>
-            </a:ext>
-          </a:extLst>
-        </p:spPr>
-      </p:pic>
     </p:spTree>
     <p:extLst>
       <p:ext uri="{BB962C8B-B14F-4D97-AF65-F5344CB8AC3E}">
-        <p14:creationId xmlns:p14="http://schemas.microsoft.com/office/powerpoint/2010/main" val="3259633871"/>
+        <p14:creationId xmlns:p14="http://schemas.microsoft.com/office/powerpoint/2010/main" val="481879159"/>
       </p:ext>
     </p:extLst>
   </p:cSld>
